--- a/pre.pptx
+++ b/pre.pptx
@@ -15,12 +15,13 @@
     <p:sldId id="266" r:id="rId8"/>
     <p:sldId id="267" r:id="rId9"/>
     <p:sldId id="268" r:id="rId10"/>
-    <p:sldId id="269" r:id="rId11"/>
+    <p:sldId id="270" r:id="rId11"/>
+    <p:sldId id="269" r:id="rId12"/>
   </p:sldIdLst>
   <p:sldSz cx="12192000" cy="6858000"/>
   <p:notesSz cx="6858000" cy="9144000"/>
   <p:custDataLst>
-    <p:tags r:id="rId15"/>
+    <p:tags r:id="rId16"/>
   </p:custDataLst>
   <p:defaultTextStyle>
     <a:defPPr>
@@ -551,6 +552,10 @@
         <p:txBody>
           <a:bodyPr/>
           <a:p>
+            <a:r>
+              <a:rPr lang="zh-CN" altLang="en-US"/>
+              <a:t>使用Bottleneck模块的目的就是为了降低网络参数，提高网络训练、推理的速度并提升特征提取能力。</a:t>
+            </a:r>
             <a:endParaRPr lang="zh-CN" altLang="en-US"/>
           </a:p>
         </p:txBody>
@@ -13905,6 +13910,1431 @@
       <p:grpSpPr/>
       <p:sp>
         <p:nvSpPr>
+          <p:cNvPr id="2" name="文本框 1"/>
+          <p:cNvSpPr txBox="1"/>
+          <p:nvPr/>
+        </p:nvSpPr>
+        <p:spPr>
+          <a:xfrm>
+            <a:off x="624205" y="746760"/>
+            <a:ext cx="4064000" cy="768350"/>
+          </a:xfrm>
+          <a:prstGeom prst="rect">
+            <a:avLst/>
+          </a:prstGeom>
+          <a:noFill/>
+        </p:spPr>
+        <p:txBody>
+          <a:bodyPr wrap="square" rtlCol="0">
+            <a:spAutoFit/>
+          </a:bodyPr>
+          <a:p>
+            <a:r>
+              <a:rPr lang="zh-CN" altLang="en-US" sz="4400">
+                <a:solidFill>
+                  <a:schemeClr val="bg1"/>
+                </a:solidFill>
+                <a:latin typeface="微软雅黑" panose="020B0503020204020204" charset="-122"/>
+                <a:ea typeface="微软雅黑" panose="020B0503020204020204" charset="-122"/>
+                <a:cs typeface="+mj-cs"/>
+              </a:rPr>
+              <a:t>aimbot实现</a:t>
+            </a:r>
+            <a:endParaRPr lang="zh-CN" altLang="en-US"/>
+          </a:p>
+        </p:txBody>
+      </p:sp>
+      <p:sp>
+        <p:nvSpPr>
+          <p:cNvPr id="9" name="燕尾形 8"/>
+          <p:cNvSpPr/>
+          <p:nvPr>
+            <p:custDataLst>
+              <p:tags r:id="rId1"/>
+            </p:custDataLst>
+          </p:nvPr>
+        </p:nvSpPr>
+        <p:spPr>
+          <a:xfrm flipV="1">
+            <a:off x="2421253" y="3857227"/>
+            <a:ext cx="2289526" cy="261968"/>
+          </a:xfrm>
+          <a:prstGeom prst="chevron">
+            <a:avLst/>
+          </a:prstGeom>
+          <a:gradFill>
+            <a:gsLst>
+              <a:gs pos="100000">
+                <a:schemeClr val="accent1">
+                  <a:lumMod val="85000"/>
+                  <a:lumOff val="15000"/>
+                </a:schemeClr>
+              </a:gs>
+              <a:gs pos="0">
+                <a:schemeClr val="accent1"/>
+              </a:gs>
+            </a:gsLst>
+            <a:lin ang="6780000" scaled="0"/>
+          </a:gradFill>
+          <a:ln w="9525" cap="flat">
+            <a:noFill/>
+            <a:prstDash val="solid"/>
+            <a:miter/>
+          </a:ln>
+          <a:effectLst/>
+        </p:spPr>
+        <p:txBody>
+          <a:bodyPr rot="0" spcFirstLastPara="0" vertOverflow="overflow" horzOverflow="overflow" vert="horz" wrap="square" lIns="91440" tIns="45720" rIns="91440" bIns="45720" numCol="1" spcCol="0" rtlCol="0" fromWordArt="0" anchor="ctr" anchorCtr="0" forceAA="0" compatLnSpc="1">
+            <a:noAutofit/>
+          </a:bodyPr>
+          <a:lstStyle>
+            <a:defPPr>
+              <a:defRPr lang="zh-CN"/>
+            </a:defPPr>
+            <a:lvl1pPr marL="0" algn="l" defTabSz="914400" rtl="0" eaLnBrk="1" latinLnBrk="0" hangingPunct="1">
+              <a:defRPr sz="1800" kern="1200">
+                <a:solidFill>
+                  <a:schemeClr val="tx1"/>
+                </a:solidFill>
+                <a:latin typeface="+mn-lt"/>
+                <a:ea typeface="+mn-ea"/>
+                <a:cs typeface="+mn-cs"/>
+              </a:defRPr>
+            </a:lvl1pPr>
+            <a:lvl2pPr marL="457200" algn="l" defTabSz="914400" rtl="0" eaLnBrk="1" latinLnBrk="0" hangingPunct="1">
+              <a:defRPr sz="1800" kern="1200">
+                <a:solidFill>
+                  <a:schemeClr val="tx1"/>
+                </a:solidFill>
+                <a:latin typeface="+mn-lt"/>
+                <a:ea typeface="+mn-ea"/>
+                <a:cs typeface="+mn-cs"/>
+              </a:defRPr>
+            </a:lvl2pPr>
+            <a:lvl3pPr marL="914400" algn="l" defTabSz="914400" rtl="0" eaLnBrk="1" latinLnBrk="0" hangingPunct="1">
+              <a:defRPr sz="1800" kern="1200">
+                <a:solidFill>
+                  <a:schemeClr val="tx1"/>
+                </a:solidFill>
+                <a:latin typeface="+mn-lt"/>
+                <a:ea typeface="+mn-ea"/>
+                <a:cs typeface="+mn-cs"/>
+              </a:defRPr>
+            </a:lvl3pPr>
+            <a:lvl4pPr marL="1371600" algn="l" defTabSz="914400" rtl="0" eaLnBrk="1" latinLnBrk="0" hangingPunct="1">
+              <a:defRPr sz="1800" kern="1200">
+                <a:solidFill>
+                  <a:schemeClr val="tx1"/>
+                </a:solidFill>
+                <a:latin typeface="+mn-lt"/>
+                <a:ea typeface="+mn-ea"/>
+                <a:cs typeface="+mn-cs"/>
+              </a:defRPr>
+            </a:lvl4pPr>
+            <a:lvl5pPr marL="1828800" algn="l" defTabSz="914400" rtl="0" eaLnBrk="1" latinLnBrk="0" hangingPunct="1">
+              <a:defRPr sz="1800" kern="1200">
+                <a:solidFill>
+                  <a:schemeClr val="tx1"/>
+                </a:solidFill>
+                <a:latin typeface="+mn-lt"/>
+                <a:ea typeface="+mn-ea"/>
+                <a:cs typeface="+mn-cs"/>
+              </a:defRPr>
+            </a:lvl5pPr>
+            <a:lvl6pPr marL="2286000" algn="l" defTabSz="914400" rtl="0" eaLnBrk="1" latinLnBrk="0" hangingPunct="1">
+              <a:defRPr sz="1800" kern="1200">
+                <a:solidFill>
+                  <a:schemeClr val="tx1"/>
+                </a:solidFill>
+                <a:latin typeface="+mn-lt"/>
+                <a:ea typeface="+mn-ea"/>
+                <a:cs typeface="+mn-cs"/>
+              </a:defRPr>
+            </a:lvl6pPr>
+            <a:lvl7pPr marL="2743200" algn="l" defTabSz="914400" rtl="0" eaLnBrk="1" latinLnBrk="0" hangingPunct="1">
+              <a:defRPr sz="1800" kern="1200">
+                <a:solidFill>
+                  <a:schemeClr val="tx1"/>
+                </a:solidFill>
+                <a:latin typeface="+mn-lt"/>
+                <a:ea typeface="+mn-ea"/>
+                <a:cs typeface="+mn-cs"/>
+              </a:defRPr>
+            </a:lvl7pPr>
+            <a:lvl8pPr marL="3200400" algn="l" defTabSz="914400" rtl="0" eaLnBrk="1" latinLnBrk="0" hangingPunct="1">
+              <a:defRPr sz="1800" kern="1200">
+                <a:solidFill>
+                  <a:schemeClr val="tx1"/>
+                </a:solidFill>
+                <a:latin typeface="+mn-lt"/>
+                <a:ea typeface="+mn-ea"/>
+                <a:cs typeface="+mn-cs"/>
+              </a:defRPr>
+            </a:lvl8pPr>
+            <a:lvl9pPr marL="3657600" algn="l" defTabSz="914400" rtl="0" eaLnBrk="1" latinLnBrk="0" hangingPunct="1">
+              <a:defRPr sz="1800" kern="1200">
+                <a:solidFill>
+                  <a:schemeClr val="tx1"/>
+                </a:solidFill>
+                <a:latin typeface="+mn-lt"/>
+                <a:ea typeface="+mn-ea"/>
+                <a:cs typeface="+mn-cs"/>
+              </a:defRPr>
+            </a:lvl9pPr>
+          </a:lstStyle>
+          <a:p>
+            <a:pPr lvl="0" algn="l">
+              <a:buClrTx/>
+              <a:buSzTx/>
+              <a:buFontTx/>
+            </a:pPr>
+            <a:endParaRPr lang="zh-CN" altLang="en-US">
+              <a:sym typeface="+mn-ea"/>
+            </a:endParaRPr>
+          </a:p>
+        </p:txBody>
+      </p:sp>
+      <p:sp>
+        <p:nvSpPr>
+          <p:cNvPr id="10" name="燕尾形 9"/>
+          <p:cNvSpPr/>
+          <p:nvPr>
+            <p:custDataLst>
+              <p:tags r:id="rId2"/>
+            </p:custDataLst>
+          </p:nvPr>
+        </p:nvSpPr>
+        <p:spPr>
+          <a:xfrm flipV="1">
+            <a:off x="4760123" y="3864404"/>
+            <a:ext cx="2290423" cy="261968"/>
+          </a:xfrm>
+          <a:prstGeom prst="chevron">
+            <a:avLst/>
+          </a:prstGeom>
+          <a:gradFill>
+            <a:gsLst>
+              <a:gs pos="100000">
+                <a:schemeClr val="accent4">
+                  <a:lumMod val="85000"/>
+                  <a:lumOff val="15000"/>
+                </a:schemeClr>
+              </a:gs>
+              <a:gs pos="0">
+                <a:schemeClr val="accent4"/>
+              </a:gs>
+            </a:gsLst>
+            <a:lin ang="6780000" scaled="0"/>
+          </a:gradFill>
+          <a:ln w="9525" cap="flat">
+            <a:noFill/>
+            <a:prstDash val="solid"/>
+            <a:miter/>
+          </a:ln>
+          <a:effectLst/>
+        </p:spPr>
+        <p:txBody>
+          <a:bodyPr rot="0" spcFirstLastPara="0" vertOverflow="overflow" horzOverflow="overflow" vert="horz" wrap="square" lIns="91440" tIns="45720" rIns="91440" bIns="45720" numCol="1" spcCol="0" rtlCol="0" fromWordArt="0" anchor="ctr" anchorCtr="0" forceAA="0" compatLnSpc="1">
+            <a:noAutofit/>
+          </a:bodyPr>
+          <a:lstStyle>
+            <a:defPPr>
+              <a:defRPr lang="zh-CN"/>
+            </a:defPPr>
+            <a:lvl1pPr marL="0" algn="l" defTabSz="914400" rtl="0" eaLnBrk="1" latinLnBrk="0" hangingPunct="1">
+              <a:defRPr sz="1800" kern="1200">
+                <a:solidFill>
+                  <a:schemeClr val="tx1"/>
+                </a:solidFill>
+                <a:latin typeface="+mn-lt"/>
+                <a:ea typeface="+mn-ea"/>
+                <a:cs typeface="+mn-cs"/>
+              </a:defRPr>
+            </a:lvl1pPr>
+            <a:lvl2pPr marL="457200" algn="l" defTabSz="914400" rtl="0" eaLnBrk="1" latinLnBrk="0" hangingPunct="1">
+              <a:defRPr sz="1800" kern="1200">
+                <a:solidFill>
+                  <a:schemeClr val="tx1"/>
+                </a:solidFill>
+                <a:latin typeface="+mn-lt"/>
+                <a:ea typeface="+mn-ea"/>
+                <a:cs typeface="+mn-cs"/>
+              </a:defRPr>
+            </a:lvl2pPr>
+            <a:lvl3pPr marL="914400" algn="l" defTabSz="914400" rtl="0" eaLnBrk="1" latinLnBrk="0" hangingPunct="1">
+              <a:defRPr sz="1800" kern="1200">
+                <a:solidFill>
+                  <a:schemeClr val="tx1"/>
+                </a:solidFill>
+                <a:latin typeface="+mn-lt"/>
+                <a:ea typeface="+mn-ea"/>
+                <a:cs typeface="+mn-cs"/>
+              </a:defRPr>
+            </a:lvl3pPr>
+            <a:lvl4pPr marL="1371600" algn="l" defTabSz="914400" rtl="0" eaLnBrk="1" latinLnBrk="0" hangingPunct="1">
+              <a:defRPr sz="1800" kern="1200">
+                <a:solidFill>
+                  <a:schemeClr val="tx1"/>
+                </a:solidFill>
+                <a:latin typeface="+mn-lt"/>
+                <a:ea typeface="+mn-ea"/>
+                <a:cs typeface="+mn-cs"/>
+              </a:defRPr>
+            </a:lvl4pPr>
+            <a:lvl5pPr marL="1828800" algn="l" defTabSz="914400" rtl="0" eaLnBrk="1" latinLnBrk="0" hangingPunct="1">
+              <a:defRPr sz="1800" kern="1200">
+                <a:solidFill>
+                  <a:schemeClr val="tx1"/>
+                </a:solidFill>
+                <a:latin typeface="+mn-lt"/>
+                <a:ea typeface="+mn-ea"/>
+                <a:cs typeface="+mn-cs"/>
+              </a:defRPr>
+            </a:lvl5pPr>
+            <a:lvl6pPr marL="2286000" algn="l" defTabSz="914400" rtl="0" eaLnBrk="1" latinLnBrk="0" hangingPunct="1">
+              <a:defRPr sz="1800" kern="1200">
+                <a:solidFill>
+                  <a:schemeClr val="tx1"/>
+                </a:solidFill>
+                <a:latin typeface="+mn-lt"/>
+                <a:ea typeface="+mn-ea"/>
+                <a:cs typeface="+mn-cs"/>
+              </a:defRPr>
+            </a:lvl6pPr>
+            <a:lvl7pPr marL="2743200" algn="l" defTabSz="914400" rtl="0" eaLnBrk="1" latinLnBrk="0" hangingPunct="1">
+              <a:defRPr sz="1800" kern="1200">
+                <a:solidFill>
+                  <a:schemeClr val="tx1"/>
+                </a:solidFill>
+                <a:latin typeface="+mn-lt"/>
+                <a:ea typeface="+mn-ea"/>
+                <a:cs typeface="+mn-cs"/>
+              </a:defRPr>
+            </a:lvl7pPr>
+            <a:lvl8pPr marL="3200400" algn="l" defTabSz="914400" rtl="0" eaLnBrk="1" latinLnBrk="0" hangingPunct="1">
+              <a:defRPr sz="1800" kern="1200">
+                <a:solidFill>
+                  <a:schemeClr val="tx1"/>
+                </a:solidFill>
+                <a:latin typeface="+mn-lt"/>
+                <a:ea typeface="+mn-ea"/>
+                <a:cs typeface="+mn-cs"/>
+              </a:defRPr>
+            </a:lvl8pPr>
+            <a:lvl9pPr marL="3657600" algn="l" defTabSz="914400" rtl="0" eaLnBrk="1" latinLnBrk="0" hangingPunct="1">
+              <a:defRPr sz="1800" kern="1200">
+                <a:solidFill>
+                  <a:schemeClr val="tx1"/>
+                </a:solidFill>
+                <a:latin typeface="+mn-lt"/>
+                <a:ea typeface="+mn-ea"/>
+                <a:cs typeface="+mn-cs"/>
+              </a:defRPr>
+            </a:lvl9pPr>
+          </a:lstStyle>
+          <a:p>
+            <a:pPr lvl="0" algn="l">
+              <a:buClrTx/>
+              <a:buSzTx/>
+              <a:buFontTx/>
+            </a:pPr>
+            <a:endParaRPr lang="zh-CN" altLang="en-US">
+              <a:sym typeface="+mn-ea"/>
+            </a:endParaRPr>
+          </a:p>
+        </p:txBody>
+      </p:sp>
+      <p:sp>
+        <p:nvSpPr>
+          <p:cNvPr id="11" name="燕尾形 10"/>
+          <p:cNvSpPr/>
+          <p:nvPr>
+            <p:custDataLst>
+              <p:tags r:id="rId3"/>
+            </p:custDataLst>
+          </p:nvPr>
+        </p:nvSpPr>
+        <p:spPr>
+          <a:xfrm flipV="1">
+            <a:off x="7099889" y="3857227"/>
+            <a:ext cx="2290423" cy="261968"/>
+          </a:xfrm>
+          <a:prstGeom prst="chevron">
+            <a:avLst/>
+          </a:prstGeom>
+          <a:gradFill>
+            <a:gsLst>
+              <a:gs pos="100000">
+                <a:schemeClr val="accent1">
+                  <a:lumMod val="85000"/>
+                  <a:lumOff val="15000"/>
+                </a:schemeClr>
+              </a:gs>
+              <a:gs pos="0">
+                <a:schemeClr val="accent1"/>
+              </a:gs>
+            </a:gsLst>
+            <a:lin ang="6780000" scaled="0"/>
+          </a:gradFill>
+          <a:ln w="9525" cap="flat">
+            <a:noFill/>
+            <a:prstDash val="solid"/>
+            <a:miter/>
+          </a:ln>
+          <a:effectLst/>
+        </p:spPr>
+        <p:txBody>
+          <a:bodyPr rot="0" spcFirstLastPara="0" vertOverflow="overflow" horzOverflow="overflow" vert="horz" wrap="square" lIns="91440" tIns="45720" rIns="91440" bIns="45720" numCol="1" spcCol="0" rtlCol="0" fromWordArt="0" anchor="ctr" anchorCtr="0" forceAA="0" compatLnSpc="1">
+            <a:noAutofit/>
+          </a:bodyPr>
+          <a:lstStyle>
+            <a:defPPr>
+              <a:defRPr lang="zh-CN"/>
+            </a:defPPr>
+            <a:lvl1pPr marL="0" algn="l" defTabSz="914400" rtl="0" eaLnBrk="1" latinLnBrk="0" hangingPunct="1">
+              <a:defRPr sz="1800" kern="1200">
+                <a:solidFill>
+                  <a:schemeClr val="tx1"/>
+                </a:solidFill>
+                <a:latin typeface="+mn-lt"/>
+                <a:ea typeface="+mn-ea"/>
+                <a:cs typeface="+mn-cs"/>
+              </a:defRPr>
+            </a:lvl1pPr>
+            <a:lvl2pPr marL="457200" algn="l" defTabSz="914400" rtl="0" eaLnBrk="1" latinLnBrk="0" hangingPunct="1">
+              <a:defRPr sz="1800" kern="1200">
+                <a:solidFill>
+                  <a:schemeClr val="tx1"/>
+                </a:solidFill>
+                <a:latin typeface="+mn-lt"/>
+                <a:ea typeface="+mn-ea"/>
+                <a:cs typeface="+mn-cs"/>
+              </a:defRPr>
+            </a:lvl2pPr>
+            <a:lvl3pPr marL="914400" algn="l" defTabSz="914400" rtl="0" eaLnBrk="1" latinLnBrk="0" hangingPunct="1">
+              <a:defRPr sz="1800" kern="1200">
+                <a:solidFill>
+                  <a:schemeClr val="tx1"/>
+                </a:solidFill>
+                <a:latin typeface="+mn-lt"/>
+                <a:ea typeface="+mn-ea"/>
+                <a:cs typeface="+mn-cs"/>
+              </a:defRPr>
+            </a:lvl3pPr>
+            <a:lvl4pPr marL="1371600" algn="l" defTabSz="914400" rtl="0" eaLnBrk="1" latinLnBrk="0" hangingPunct="1">
+              <a:defRPr sz="1800" kern="1200">
+                <a:solidFill>
+                  <a:schemeClr val="tx1"/>
+                </a:solidFill>
+                <a:latin typeface="+mn-lt"/>
+                <a:ea typeface="+mn-ea"/>
+                <a:cs typeface="+mn-cs"/>
+              </a:defRPr>
+            </a:lvl4pPr>
+            <a:lvl5pPr marL="1828800" algn="l" defTabSz="914400" rtl="0" eaLnBrk="1" latinLnBrk="0" hangingPunct="1">
+              <a:defRPr sz="1800" kern="1200">
+                <a:solidFill>
+                  <a:schemeClr val="tx1"/>
+                </a:solidFill>
+                <a:latin typeface="+mn-lt"/>
+                <a:ea typeface="+mn-ea"/>
+                <a:cs typeface="+mn-cs"/>
+              </a:defRPr>
+            </a:lvl5pPr>
+            <a:lvl6pPr marL="2286000" algn="l" defTabSz="914400" rtl="0" eaLnBrk="1" latinLnBrk="0" hangingPunct="1">
+              <a:defRPr sz="1800" kern="1200">
+                <a:solidFill>
+                  <a:schemeClr val="tx1"/>
+                </a:solidFill>
+                <a:latin typeface="+mn-lt"/>
+                <a:ea typeface="+mn-ea"/>
+                <a:cs typeface="+mn-cs"/>
+              </a:defRPr>
+            </a:lvl6pPr>
+            <a:lvl7pPr marL="2743200" algn="l" defTabSz="914400" rtl="0" eaLnBrk="1" latinLnBrk="0" hangingPunct="1">
+              <a:defRPr sz="1800" kern="1200">
+                <a:solidFill>
+                  <a:schemeClr val="tx1"/>
+                </a:solidFill>
+                <a:latin typeface="+mn-lt"/>
+                <a:ea typeface="+mn-ea"/>
+                <a:cs typeface="+mn-cs"/>
+              </a:defRPr>
+            </a:lvl7pPr>
+            <a:lvl8pPr marL="3200400" algn="l" defTabSz="914400" rtl="0" eaLnBrk="1" latinLnBrk="0" hangingPunct="1">
+              <a:defRPr sz="1800" kern="1200">
+                <a:solidFill>
+                  <a:schemeClr val="tx1"/>
+                </a:solidFill>
+                <a:latin typeface="+mn-lt"/>
+                <a:ea typeface="+mn-ea"/>
+                <a:cs typeface="+mn-cs"/>
+              </a:defRPr>
+            </a:lvl8pPr>
+            <a:lvl9pPr marL="3657600" algn="l" defTabSz="914400" rtl="0" eaLnBrk="1" latinLnBrk="0" hangingPunct="1">
+              <a:defRPr sz="1800" kern="1200">
+                <a:solidFill>
+                  <a:schemeClr val="tx1"/>
+                </a:solidFill>
+                <a:latin typeface="+mn-lt"/>
+                <a:ea typeface="+mn-ea"/>
+                <a:cs typeface="+mn-cs"/>
+              </a:defRPr>
+            </a:lvl9pPr>
+          </a:lstStyle>
+          <a:p>
+            <a:pPr lvl="0" algn="l">
+              <a:buClrTx/>
+              <a:buSzTx/>
+              <a:buFontTx/>
+            </a:pPr>
+            <a:endParaRPr lang="zh-CN" altLang="en-US">
+              <a:sym typeface="+mn-ea"/>
+            </a:endParaRPr>
+          </a:p>
+        </p:txBody>
+      </p:sp>
+      <p:cxnSp>
+        <p:nvCxnSpPr>
+          <p:cNvPr id="50" name="直接连接符 49"/>
+          <p:cNvCxnSpPr/>
+          <p:nvPr>
+            <p:custDataLst>
+              <p:tags r:id="rId4"/>
+            </p:custDataLst>
+          </p:nvPr>
+        </p:nvCxnSpPr>
+        <p:spPr>
+          <a:xfrm flipV="1">
+            <a:off x="8241064" y="3995388"/>
+            <a:ext cx="1794" cy="1397759"/>
+          </a:xfrm>
+          <a:prstGeom prst="line">
+            <a:avLst/>
+          </a:prstGeom>
+          <a:ln>
+            <a:solidFill>
+              <a:schemeClr val="accent1"/>
+            </a:solidFill>
+          </a:ln>
+        </p:spPr>
+        <p:style>
+          <a:lnRef idx="2">
+            <a:schemeClr val="accent1"/>
+          </a:lnRef>
+          <a:fillRef idx="0">
+            <a:srgbClr val="FFFFFF"/>
+          </a:fillRef>
+          <a:effectRef idx="0">
+            <a:srgbClr val="FFFFFF"/>
+          </a:effectRef>
+          <a:fontRef idx="minor">
+            <a:schemeClr val="tx1"/>
+          </a:fontRef>
+        </p:style>
+      </p:cxnSp>
+      <p:cxnSp>
+        <p:nvCxnSpPr>
+          <p:cNvPr id="47" name="直接连接符 46"/>
+          <p:cNvCxnSpPr/>
+          <p:nvPr>
+            <p:custDataLst>
+              <p:tags r:id="rId5"/>
+            </p:custDataLst>
+          </p:nvPr>
+        </p:nvCxnSpPr>
+        <p:spPr>
+          <a:xfrm flipV="1">
+            <a:off x="5900400" y="2603011"/>
+            <a:ext cx="2691" cy="1379816"/>
+          </a:xfrm>
+          <a:prstGeom prst="line">
+            <a:avLst/>
+          </a:prstGeom>
+          <a:ln>
+            <a:solidFill>
+              <a:schemeClr val="accent4"/>
+            </a:solidFill>
+          </a:ln>
+        </p:spPr>
+        <p:style>
+          <a:lnRef idx="2">
+            <a:schemeClr val="accent1"/>
+          </a:lnRef>
+          <a:fillRef idx="0">
+            <a:srgbClr val="FFFFFF"/>
+          </a:fillRef>
+          <a:effectRef idx="0">
+            <a:srgbClr val="FFFFFF"/>
+          </a:effectRef>
+          <a:fontRef idx="minor">
+            <a:schemeClr val="tx1"/>
+          </a:fontRef>
+        </p:style>
+      </p:cxnSp>
+      <p:cxnSp>
+        <p:nvCxnSpPr>
+          <p:cNvPr id="46" name="直接连接符 45"/>
+          <p:cNvCxnSpPr/>
+          <p:nvPr>
+            <p:custDataLst>
+              <p:tags r:id="rId6"/>
+            </p:custDataLst>
+          </p:nvPr>
+        </p:nvCxnSpPr>
+        <p:spPr>
+          <a:xfrm flipH="1" flipV="1">
+            <a:off x="3558839" y="4060879"/>
+            <a:ext cx="2691" cy="1332267"/>
+          </a:xfrm>
+          <a:prstGeom prst="line">
+            <a:avLst/>
+          </a:prstGeom>
+          <a:ln>
+            <a:solidFill>
+              <a:schemeClr val="accent1"/>
+            </a:solidFill>
+          </a:ln>
+        </p:spPr>
+        <p:style>
+          <a:lnRef idx="2">
+            <a:schemeClr val="accent1"/>
+          </a:lnRef>
+          <a:fillRef idx="0">
+            <a:srgbClr val="FFFFFF"/>
+          </a:fillRef>
+          <a:effectRef idx="0">
+            <a:srgbClr val="FFFFFF"/>
+          </a:effectRef>
+          <a:fontRef idx="minor">
+            <a:schemeClr val="tx1"/>
+          </a:fontRef>
+        </p:style>
+      </p:cxnSp>
+      <p:sp>
+        <p:nvSpPr>
+          <p:cNvPr id="20" name="椭圆 19"/>
+          <p:cNvSpPr/>
+          <p:nvPr>
+            <p:custDataLst>
+              <p:tags r:id="rId7"/>
+            </p:custDataLst>
+          </p:nvPr>
+        </p:nvSpPr>
+        <p:spPr>
+          <a:xfrm>
+            <a:off x="7979993" y="5101573"/>
+            <a:ext cx="539187" cy="540084"/>
+          </a:xfrm>
+          <a:prstGeom prst="ellipse">
+            <a:avLst/>
+          </a:prstGeom>
+          <a:solidFill>
+            <a:schemeClr val="accent1"/>
+          </a:solidFill>
+          <a:ln>
+            <a:noFill/>
+          </a:ln>
+          <a:effectLst/>
+        </p:spPr>
+        <p:style>
+          <a:lnRef idx="2">
+            <a:schemeClr val="accent1">
+              <a:shade val="50000"/>
+            </a:schemeClr>
+          </a:lnRef>
+          <a:fillRef idx="1">
+            <a:schemeClr val="accent1"/>
+          </a:fillRef>
+          <a:effectRef idx="0">
+            <a:schemeClr val="accent1"/>
+          </a:effectRef>
+          <a:fontRef idx="minor">
+            <a:schemeClr val="lt1"/>
+          </a:fontRef>
+        </p:style>
+        <p:txBody>
+          <a:bodyPr vertOverflow="overflow" horzOverflow="overflow" vert="horz" wrap="none" numCol="1" spcCol="0" rtlCol="0" fromWordArt="0" anchor="ctr" anchorCtr="0" forceAA="0" compatLnSpc="1">
+            <a:noAutofit/>
+          </a:bodyPr>
+          <a:lstStyle/>
+          <a:p>
+            <a:pPr lvl="0" algn="ctr">
+              <a:spcBef>
+                <a:spcPct val="0"/>
+              </a:spcBef>
+              <a:spcAft>
+                <a:spcPct val="0"/>
+              </a:spcAft>
+              <a:buClrTx/>
+              <a:buSzTx/>
+              <a:buFontTx/>
+            </a:pPr>
+            <a:r>
+              <a:rPr lang="en-US" altLang="zh-CN" sz="1400" b="1">
+                <a:solidFill>
+                  <a:schemeClr val="lt1">
+                    <a:lumMod val="100000"/>
+                  </a:schemeClr>
+                </a:solidFill>
+                <a:latin typeface="+mn-ea"/>
+                <a:cs typeface="+mn-ea"/>
+                <a:sym typeface="+mn-ea"/>
+              </a:rPr>
+              <a:t>3</a:t>
+            </a:r>
+            <a:endParaRPr lang="en-US" altLang="zh-CN" sz="1400" b="1">
+              <a:solidFill>
+                <a:schemeClr val="lt1">
+                  <a:lumMod val="100000"/>
+                </a:schemeClr>
+              </a:solidFill>
+              <a:latin typeface="+mn-ea"/>
+              <a:cs typeface="+mn-ea"/>
+              <a:sym typeface="+mn-ea"/>
+            </a:endParaRPr>
+          </a:p>
+        </p:txBody>
+      </p:sp>
+      <p:sp>
+        <p:nvSpPr>
+          <p:cNvPr id="130" name="椭圆 129"/>
+          <p:cNvSpPr/>
+          <p:nvPr>
+            <p:custDataLst>
+              <p:tags r:id="rId8"/>
+            </p:custDataLst>
+          </p:nvPr>
+        </p:nvSpPr>
+        <p:spPr>
+          <a:xfrm>
+            <a:off x="3303152" y="5095293"/>
+            <a:ext cx="540981" cy="540981"/>
+          </a:xfrm>
+          <a:prstGeom prst="ellipse">
+            <a:avLst/>
+          </a:prstGeom>
+          <a:solidFill>
+            <a:schemeClr val="accent1"/>
+          </a:solidFill>
+          <a:ln>
+            <a:noFill/>
+          </a:ln>
+          <a:effectLst/>
+        </p:spPr>
+        <p:style>
+          <a:lnRef idx="2">
+            <a:schemeClr val="accent1">
+              <a:shade val="50000"/>
+            </a:schemeClr>
+          </a:lnRef>
+          <a:fillRef idx="1">
+            <a:schemeClr val="accent1"/>
+          </a:fillRef>
+          <a:effectRef idx="0">
+            <a:schemeClr val="accent1"/>
+          </a:effectRef>
+          <a:fontRef idx="minor">
+            <a:schemeClr val="lt1"/>
+          </a:fontRef>
+        </p:style>
+        <p:txBody>
+          <a:bodyPr vertOverflow="overflow" horzOverflow="overflow" vert="horz" wrap="none" numCol="1" spcCol="0" rtlCol="0" fromWordArt="0" anchor="ctr" anchorCtr="0" forceAA="0" compatLnSpc="1">
+            <a:noAutofit/>
+          </a:bodyPr>
+          <a:lstStyle/>
+          <a:p>
+            <a:pPr lvl="0" algn="ctr">
+              <a:spcBef>
+                <a:spcPct val="0"/>
+              </a:spcBef>
+              <a:spcAft>
+                <a:spcPct val="0"/>
+              </a:spcAft>
+              <a:buClrTx/>
+              <a:buSzTx/>
+              <a:buFontTx/>
+            </a:pPr>
+            <a:r>
+              <a:rPr lang="en-US" altLang="zh-CN" sz="1400" b="1">
+                <a:solidFill>
+                  <a:schemeClr val="lt1">
+                    <a:lumMod val="100000"/>
+                  </a:schemeClr>
+                </a:solidFill>
+                <a:latin typeface="+mn-ea"/>
+                <a:cs typeface="+mn-ea"/>
+                <a:sym typeface="+mn-ea"/>
+              </a:rPr>
+              <a:t>1</a:t>
+            </a:r>
+            <a:endParaRPr lang="en-US" altLang="zh-CN" sz="1400" b="1" dirty="0">
+              <a:solidFill>
+                <a:schemeClr val="lt1">
+                  <a:lumMod val="100000"/>
+                </a:schemeClr>
+              </a:solidFill>
+              <a:latin typeface="+mn-ea"/>
+              <a:cs typeface="+mn-ea"/>
+              <a:sym typeface="+mn-ea"/>
+            </a:endParaRPr>
+          </a:p>
+        </p:txBody>
+      </p:sp>
+      <p:sp>
+        <p:nvSpPr>
+          <p:cNvPr id="22" name="椭圆 21"/>
+          <p:cNvSpPr/>
+          <p:nvPr>
+            <p:custDataLst>
+              <p:tags r:id="rId9"/>
+            </p:custDataLst>
+          </p:nvPr>
+        </p:nvSpPr>
+        <p:spPr>
+          <a:xfrm>
+            <a:off x="5625872" y="2337455"/>
+            <a:ext cx="540981" cy="541878"/>
+          </a:xfrm>
+          <a:prstGeom prst="ellipse">
+            <a:avLst/>
+          </a:prstGeom>
+          <a:solidFill>
+            <a:schemeClr val="accent4"/>
+          </a:solidFill>
+          <a:ln>
+            <a:noFill/>
+          </a:ln>
+          <a:effectLst/>
+        </p:spPr>
+        <p:style>
+          <a:lnRef idx="2">
+            <a:schemeClr val="accent1">
+              <a:shade val="50000"/>
+            </a:schemeClr>
+          </a:lnRef>
+          <a:fillRef idx="1">
+            <a:schemeClr val="accent1"/>
+          </a:fillRef>
+          <a:effectRef idx="0">
+            <a:schemeClr val="accent1"/>
+          </a:effectRef>
+          <a:fontRef idx="minor">
+            <a:schemeClr val="lt1"/>
+          </a:fontRef>
+        </p:style>
+        <p:txBody>
+          <a:bodyPr vertOverflow="overflow" horzOverflow="overflow" vert="horz" wrap="none" numCol="1" spcCol="0" rtlCol="0" fromWordArt="0" anchor="ctr" anchorCtr="0" forceAA="0" compatLnSpc="1">
+            <a:noAutofit/>
+          </a:bodyPr>
+          <a:lstStyle/>
+          <a:p>
+            <a:pPr lvl="0" algn="ctr">
+              <a:spcBef>
+                <a:spcPct val="0"/>
+              </a:spcBef>
+              <a:spcAft>
+                <a:spcPct val="0"/>
+              </a:spcAft>
+              <a:buClrTx/>
+              <a:buSzTx/>
+              <a:buFontTx/>
+            </a:pPr>
+            <a:r>
+              <a:rPr lang="en-US" altLang="zh-CN" sz="1400" b="1" dirty="0">
+                <a:solidFill>
+                  <a:schemeClr val="lt1">
+                    <a:lumMod val="100000"/>
+                  </a:schemeClr>
+                </a:solidFill>
+                <a:latin typeface="+mn-ea"/>
+                <a:cs typeface="+mn-ea"/>
+                <a:sym typeface="+mn-ea"/>
+              </a:rPr>
+              <a:t>2</a:t>
+            </a:r>
+            <a:endParaRPr lang="en-US" altLang="zh-CN" sz="1400" b="1" dirty="0">
+              <a:solidFill>
+                <a:schemeClr val="lt1">
+                  <a:lumMod val="100000"/>
+                </a:schemeClr>
+              </a:solidFill>
+              <a:latin typeface="+mn-ea"/>
+              <a:cs typeface="+mn-ea"/>
+              <a:sym typeface="+mn-ea"/>
+            </a:endParaRPr>
+          </a:p>
+        </p:txBody>
+      </p:sp>
+      <p:sp>
+        <p:nvSpPr>
+          <p:cNvPr id="5" name="矩形 4"/>
+          <p:cNvSpPr/>
+          <p:nvPr>
+            <p:custDataLst>
+              <p:tags r:id="rId10"/>
+            </p:custDataLst>
+          </p:nvPr>
+        </p:nvSpPr>
+        <p:spPr>
+          <a:xfrm>
+            <a:off x="4752946" y="5200260"/>
+            <a:ext cx="2299395" cy="1328679"/>
+          </a:xfrm>
+          <a:prstGeom prst="rect">
+            <a:avLst/>
+          </a:prstGeom>
+          <a:noFill/>
+        </p:spPr>
+        <p:txBody>
+          <a:bodyPr wrap="square" lIns="0" tIns="0" rIns="0" bIns="0" rtlCol="0" anchor="t" anchorCtr="0">
+            <a:noAutofit/>
+          </a:bodyPr>
+          <a:lstStyle/>
+          <a:p>
+            <a:pPr algn="ctr">
+              <a:lnSpc>
+                <a:spcPct val="130000"/>
+              </a:lnSpc>
+              <a:spcBef>
+                <a:spcPct val="0"/>
+              </a:spcBef>
+              <a:spcAft>
+                <a:spcPct val="0"/>
+              </a:spcAft>
+            </a:pPr>
+            <a:r>
+              <a:rPr lang="zh-CN" altLang="en-US" sz="1400">
+                <a:solidFill>
+                  <a:srgbClr val="FF0000"/>
+                </a:solidFill>
+                <a:latin typeface="+mn-ea"/>
+                <a:cs typeface="+mn-ea"/>
+              </a:rPr>
+              <a:t>主要性能瓶颈</a:t>
+            </a:r>
+            <a:endParaRPr lang="zh-CN" altLang="en-US" sz="1400">
+              <a:solidFill>
+                <a:srgbClr val="FF0000"/>
+              </a:solidFill>
+              <a:latin typeface="+mn-ea"/>
+              <a:cs typeface="+mn-ea"/>
+            </a:endParaRPr>
+          </a:p>
+        </p:txBody>
+      </p:sp>
+      <p:sp>
+        <p:nvSpPr>
+          <p:cNvPr id="8" name="矩形 7"/>
+          <p:cNvSpPr/>
+          <p:nvPr>
+            <p:custDataLst>
+              <p:tags r:id="rId11"/>
+            </p:custDataLst>
+          </p:nvPr>
+        </p:nvSpPr>
+        <p:spPr>
+          <a:xfrm>
+            <a:off x="4753843" y="4304904"/>
+            <a:ext cx="2297600" cy="749120"/>
+          </a:xfrm>
+          <a:prstGeom prst="rect">
+            <a:avLst/>
+          </a:prstGeom>
+          <a:noFill/>
+        </p:spPr>
+        <p:txBody>
+          <a:bodyPr wrap="square" lIns="0" tIns="0" rIns="0" bIns="0" rtlCol="0" anchor="b" anchorCtr="0">
+            <a:noAutofit/>
+          </a:bodyPr>
+          <a:lstStyle/>
+          <a:p>
+            <a:pPr algn="ctr">
+              <a:spcBef>
+                <a:spcPct val="0"/>
+              </a:spcBef>
+              <a:spcAft>
+                <a:spcPct val="0"/>
+              </a:spcAft>
+            </a:pPr>
+            <a:r>
+              <a:rPr lang="zh-CN" altLang="en-US" b="1" dirty="0">
+                <a:solidFill>
+                  <a:schemeClr val="accent4"/>
+                </a:solidFill>
+                <a:latin typeface="+mn-ea"/>
+                <a:cs typeface="+mn-ea"/>
+              </a:rPr>
+              <a:t>模型推理、</a:t>
+            </a:r>
+            <a:r>
+              <a:rPr lang="zh-CN" altLang="en-US" b="1" dirty="0">
+                <a:solidFill>
+                  <a:schemeClr val="accent4"/>
+                </a:solidFill>
+                <a:latin typeface="+mn-ea"/>
+                <a:cs typeface="+mn-ea"/>
+              </a:rPr>
+              <a:t>后处理</a:t>
+            </a:r>
+            <a:endParaRPr lang="zh-CN" altLang="en-US" b="1" dirty="0">
+              <a:solidFill>
+                <a:schemeClr val="accent4"/>
+              </a:solidFill>
+              <a:latin typeface="+mn-ea"/>
+              <a:cs typeface="+mn-ea"/>
+            </a:endParaRPr>
+          </a:p>
+        </p:txBody>
+      </p:sp>
+      <p:sp>
+        <p:nvSpPr>
+          <p:cNvPr id="12" name="矩形 11"/>
+          <p:cNvSpPr/>
+          <p:nvPr>
+            <p:custDataLst>
+              <p:tags r:id="rId12"/>
+            </p:custDataLst>
+          </p:nvPr>
+        </p:nvSpPr>
+        <p:spPr>
+          <a:xfrm>
+            <a:off x="2461625" y="1795576"/>
+            <a:ext cx="2297600" cy="757194"/>
+          </a:xfrm>
+          <a:prstGeom prst="rect">
+            <a:avLst/>
+          </a:prstGeom>
+          <a:noFill/>
+        </p:spPr>
+        <p:txBody>
+          <a:bodyPr wrap="square" lIns="0" tIns="0" rIns="0" bIns="0" rtlCol="0" anchor="b" anchorCtr="0">
+            <a:noAutofit/>
+          </a:bodyPr>
+          <a:lstStyle/>
+          <a:p>
+            <a:pPr algn="ctr">
+              <a:spcBef>
+                <a:spcPct val="0"/>
+              </a:spcBef>
+              <a:spcAft>
+                <a:spcPct val="0"/>
+              </a:spcAft>
+            </a:pPr>
+            <a:r>
+              <a:rPr lang="zh-CN" altLang="en-US" b="1">
+                <a:solidFill>
+                  <a:schemeClr val="accent1"/>
+                </a:solidFill>
+                <a:latin typeface="+mn-ea"/>
+                <a:cs typeface="+mn-ea"/>
+              </a:rPr>
+              <a:t>截屏</a:t>
+            </a:r>
+            <a:r>
+              <a:rPr lang="zh-CN" altLang="en-US" b="1">
+                <a:solidFill>
+                  <a:schemeClr val="accent1"/>
+                </a:solidFill>
+                <a:latin typeface="+mn-ea"/>
+                <a:cs typeface="+mn-ea"/>
+              </a:rPr>
+              <a:t>预处理</a:t>
+            </a:r>
+            <a:endParaRPr lang="zh-CN" altLang="en-US" b="1">
+              <a:solidFill>
+                <a:schemeClr val="accent1"/>
+              </a:solidFill>
+              <a:latin typeface="+mn-ea"/>
+              <a:cs typeface="+mn-ea"/>
+            </a:endParaRPr>
+          </a:p>
+        </p:txBody>
+      </p:sp>
+      <p:sp>
+        <p:nvSpPr>
+          <p:cNvPr id="13" name="矩形 12"/>
+          <p:cNvSpPr/>
+          <p:nvPr>
+            <p:custDataLst>
+              <p:tags r:id="rId13"/>
+            </p:custDataLst>
+          </p:nvPr>
+        </p:nvSpPr>
+        <p:spPr>
+          <a:xfrm>
+            <a:off x="7095404" y="1795576"/>
+            <a:ext cx="2297600" cy="757194"/>
+          </a:xfrm>
+          <a:prstGeom prst="rect">
+            <a:avLst/>
+          </a:prstGeom>
+          <a:noFill/>
+        </p:spPr>
+        <p:txBody>
+          <a:bodyPr wrap="square" lIns="0" tIns="0" rIns="0" bIns="0" rtlCol="0" anchor="b" anchorCtr="0">
+            <a:noAutofit/>
+          </a:bodyPr>
+          <a:lstStyle/>
+          <a:p>
+            <a:pPr algn="ctr">
+              <a:spcBef>
+                <a:spcPct val="0"/>
+              </a:spcBef>
+              <a:spcAft>
+                <a:spcPct val="0"/>
+              </a:spcAft>
+            </a:pPr>
+            <a:r>
+              <a:rPr lang="zh-CN" altLang="en-US" b="1" dirty="0">
+                <a:solidFill>
+                  <a:schemeClr val="accent1"/>
+                </a:solidFill>
+                <a:latin typeface="+mn-ea"/>
+                <a:cs typeface="+mn-ea"/>
+              </a:rPr>
+              <a:t>鼠标移动</a:t>
+            </a:r>
+            <a:r>
+              <a:rPr lang="zh-CN" altLang="en-US" b="1" dirty="0">
+                <a:solidFill>
+                  <a:schemeClr val="accent1"/>
+                </a:solidFill>
+                <a:latin typeface="+mn-ea"/>
+                <a:cs typeface="+mn-ea"/>
+              </a:rPr>
+              <a:t>射击</a:t>
+            </a:r>
+            <a:endParaRPr lang="zh-CN" altLang="en-US" b="1" dirty="0">
+              <a:solidFill>
+                <a:schemeClr val="accent1"/>
+              </a:solidFill>
+              <a:latin typeface="+mn-ea"/>
+              <a:cs typeface="+mn-ea"/>
+            </a:endParaRPr>
+          </a:p>
+        </p:txBody>
+      </p:sp>
+      <p:sp>
+        <p:nvSpPr>
+          <p:cNvPr id="14" name="燕尾形 13"/>
+          <p:cNvSpPr/>
+          <p:nvPr>
+            <p:custDataLst>
+              <p:tags r:id="rId14"/>
+            </p:custDataLst>
+          </p:nvPr>
+        </p:nvSpPr>
+        <p:spPr>
+          <a:xfrm flipV="1">
+            <a:off x="2127886" y="3856329"/>
+            <a:ext cx="286191" cy="263762"/>
+          </a:xfrm>
+          <a:prstGeom prst="chevron">
+            <a:avLst/>
+          </a:prstGeom>
+          <a:gradFill>
+            <a:gsLst>
+              <a:gs pos="100000">
+                <a:schemeClr val="accent1">
+                  <a:lumMod val="85000"/>
+                  <a:lumOff val="15000"/>
+                </a:schemeClr>
+              </a:gs>
+              <a:gs pos="0">
+                <a:schemeClr val="accent1"/>
+              </a:gs>
+            </a:gsLst>
+            <a:lin ang="6780000" scaled="0"/>
+          </a:gradFill>
+          <a:ln w="9525" cap="flat">
+            <a:noFill/>
+            <a:prstDash val="solid"/>
+            <a:miter/>
+          </a:ln>
+          <a:effectLst/>
+        </p:spPr>
+        <p:txBody>
+          <a:bodyPr rot="0" spcFirstLastPara="0" vertOverflow="overflow" horzOverflow="overflow" vert="horz" wrap="square" lIns="91440" tIns="45720" rIns="91440" bIns="45720" numCol="1" spcCol="0" rtlCol="0" fromWordArt="0" anchor="ctr" anchorCtr="0" forceAA="0" compatLnSpc="1">
+            <a:noAutofit/>
+          </a:bodyPr>
+          <a:lstStyle>
+            <a:defPPr>
+              <a:defRPr lang="zh-CN"/>
+            </a:defPPr>
+            <a:lvl1pPr marL="0" algn="l" defTabSz="914400" rtl="0" eaLnBrk="1" latinLnBrk="0" hangingPunct="1">
+              <a:defRPr sz="1800" kern="1200">
+                <a:solidFill>
+                  <a:schemeClr val="tx1"/>
+                </a:solidFill>
+                <a:latin typeface="+mn-lt"/>
+                <a:ea typeface="+mn-ea"/>
+                <a:cs typeface="+mn-cs"/>
+              </a:defRPr>
+            </a:lvl1pPr>
+            <a:lvl2pPr marL="457200" algn="l" defTabSz="914400" rtl="0" eaLnBrk="1" latinLnBrk="0" hangingPunct="1">
+              <a:defRPr sz="1800" kern="1200">
+                <a:solidFill>
+                  <a:schemeClr val="tx1"/>
+                </a:solidFill>
+                <a:latin typeface="+mn-lt"/>
+                <a:ea typeface="+mn-ea"/>
+                <a:cs typeface="+mn-cs"/>
+              </a:defRPr>
+            </a:lvl2pPr>
+            <a:lvl3pPr marL="914400" algn="l" defTabSz="914400" rtl="0" eaLnBrk="1" latinLnBrk="0" hangingPunct="1">
+              <a:defRPr sz="1800" kern="1200">
+                <a:solidFill>
+                  <a:schemeClr val="tx1"/>
+                </a:solidFill>
+                <a:latin typeface="+mn-lt"/>
+                <a:ea typeface="+mn-ea"/>
+                <a:cs typeface="+mn-cs"/>
+              </a:defRPr>
+            </a:lvl3pPr>
+            <a:lvl4pPr marL="1371600" algn="l" defTabSz="914400" rtl="0" eaLnBrk="1" latinLnBrk="0" hangingPunct="1">
+              <a:defRPr sz="1800" kern="1200">
+                <a:solidFill>
+                  <a:schemeClr val="tx1"/>
+                </a:solidFill>
+                <a:latin typeface="+mn-lt"/>
+                <a:ea typeface="+mn-ea"/>
+                <a:cs typeface="+mn-cs"/>
+              </a:defRPr>
+            </a:lvl4pPr>
+            <a:lvl5pPr marL="1828800" algn="l" defTabSz="914400" rtl="0" eaLnBrk="1" latinLnBrk="0" hangingPunct="1">
+              <a:defRPr sz="1800" kern="1200">
+                <a:solidFill>
+                  <a:schemeClr val="tx1"/>
+                </a:solidFill>
+                <a:latin typeface="+mn-lt"/>
+                <a:ea typeface="+mn-ea"/>
+                <a:cs typeface="+mn-cs"/>
+              </a:defRPr>
+            </a:lvl5pPr>
+            <a:lvl6pPr marL="2286000" algn="l" defTabSz="914400" rtl="0" eaLnBrk="1" latinLnBrk="0" hangingPunct="1">
+              <a:defRPr sz="1800" kern="1200">
+                <a:solidFill>
+                  <a:schemeClr val="tx1"/>
+                </a:solidFill>
+                <a:latin typeface="+mn-lt"/>
+                <a:ea typeface="+mn-ea"/>
+                <a:cs typeface="+mn-cs"/>
+              </a:defRPr>
+            </a:lvl6pPr>
+            <a:lvl7pPr marL="2743200" algn="l" defTabSz="914400" rtl="0" eaLnBrk="1" latinLnBrk="0" hangingPunct="1">
+              <a:defRPr sz="1800" kern="1200">
+                <a:solidFill>
+                  <a:schemeClr val="tx1"/>
+                </a:solidFill>
+                <a:latin typeface="+mn-lt"/>
+                <a:ea typeface="+mn-ea"/>
+                <a:cs typeface="+mn-cs"/>
+              </a:defRPr>
+            </a:lvl7pPr>
+            <a:lvl8pPr marL="3200400" algn="l" defTabSz="914400" rtl="0" eaLnBrk="1" latinLnBrk="0" hangingPunct="1">
+              <a:defRPr sz="1800" kern="1200">
+                <a:solidFill>
+                  <a:schemeClr val="tx1"/>
+                </a:solidFill>
+                <a:latin typeface="+mn-lt"/>
+                <a:ea typeface="+mn-ea"/>
+                <a:cs typeface="+mn-cs"/>
+              </a:defRPr>
+            </a:lvl8pPr>
+            <a:lvl9pPr marL="3657600" algn="l" defTabSz="914400" rtl="0" eaLnBrk="1" latinLnBrk="0" hangingPunct="1">
+              <a:defRPr sz="1800" kern="1200">
+                <a:solidFill>
+                  <a:schemeClr val="tx1"/>
+                </a:solidFill>
+                <a:latin typeface="+mn-lt"/>
+                <a:ea typeface="+mn-ea"/>
+                <a:cs typeface="+mn-cs"/>
+              </a:defRPr>
+            </a:lvl9pPr>
+          </a:lstStyle>
+          <a:p>
+            <a:pPr lvl="0" algn="l">
+              <a:buClrTx/>
+              <a:buSzTx/>
+              <a:buFontTx/>
+            </a:pPr>
+            <a:endParaRPr lang="zh-CN" altLang="en-US">
+              <a:sym typeface="+mn-ea"/>
+            </a:endParaRPr>
+          </a:p>
+        </p:txBody>
+      </p:sp>
+      <p:sp>
+        <p:nvSpPr>
+          <p:cNvPr id="15" name="燕尾形 14"/>
+          <p:cNvSpPr/>
+          <p:nvPr>
+            <p:custDataLst>
+              <p:tags r:id="rId15"/>
+            </p:custDataLst>
+          </p:nvPr>
+        </p:nvSpPr>
+        <p:spPr>
+          <a:xfrm flipV="1">
+            <a:off x="9391210" y="3857227"/>
+            <a:ext cx="286191" cy="263762"/>
+          </a:xfrm>
+          <a:prstGeom prst="chevron">
+            <a:avLst/>
+          </a:prstGeom>
+          <a:gradFill>
+            <a:gsLst>
+              <a:gs pos="100000">
+                <a:schemeClr val="accent1">
+                  <a:lumMod val="85000"/>
+                  <a:lumOff val="15000"/>
+                </a:schemeClr>
+              </a:gs>
+              <a:gs pos="0">
+                <a:schemeClr val="accent1"/>
+              </a:gs>
+            </a:gsLst>
+            <a:lin ang="6780000" scaled="0"/>
+          </a:gradFill>
+          <a:ln w="9525" cap="flat">
+            <a:noFill/>
+            <a:prstDash val="solid"/>
+            <a:miter/>
+          </a:ln>
+          <a:effectLst/>
+        </p:spPr>
+        <p:txBody>
+          <a:bodyPr rot="0" spcFirstLastPara="0" vertOverflow="overflow" horzOverflow="overflow" vert="horz" wrap="square" lIns="91440" tIns="45720" rIns="91440" bIns="45720" numCol="1" spcCol="0" rtlCol="0" fromWordArt="0" anchor="ctr" anchorCtr="0" forceAA="0" compatLnSpc="1">
+            <a:noAutofit/>
+          </a:bodyPr>
+          <a:lstStyle>
+            <a:defPPr>
+              <a:defRPr lang="zh-CN"/>
+            </a:defPPr>
+            <a:lvl1pPr marL="0" algn="l" defTabSz="914400" rtl="0" eaLnBrk="1" latinLnBrk="0" hangingPunct="1">
+              <a:defRPr sz="1800" kern="1200">
+                <a:solidFill>
+                  <a:schemeClr val="tx1"/>
+                </a:solidFill>
+                <a:latin typeface="+mn-lt"/>
+                <a:ea typeface="+mn-ea"/>
+                <a:cs typeface="+mn-cs"/>
+              </a:defRPr>
+            </a:lvl1pPr>
+            <a:lvl2pPr marL="457200" algn="l" defTabSz="914400" rtl="0" eaLnBrk="1" latinLnBrk="0" hangingPunct="1">
+              <a:defRPr sz="1800" kern="1200">
+                <a:solidFill>
+                  <a:schemeClr val="tx1"/>
+                </a:solidFill>
+                <a:latin typeface="+mn-lt"/>
+                <a:ea typeface="+mn-ea"/>
+                <a:cs typeface="+mn-cs"/>
+              </a:defRPr>
+            </a:lvl2pPr>
+            <a:lvl3pPr marL="914400" algn="l" defTabSz="914400" rtl="0" eaLnBrk="1" latinLnBrk="0" hangingPunct="1">
+              <a:defRPr sz="1800" kern="1200">
+                <a:solidFill>
+                  <a:schemeClr val="tx1"/>
+                </a:solidFill>
+                <a:latin typeface="+mn-lt"/>
+                <a:ea typeface="+mn-ea"/>
+                <a:cs typeface="+mn-cs"/>
+              </a:defRPr>
+            </a:lvl3pPr>
+            <a:lvl4pPr marL="1371600" algn="l" defTabSz="914400" rtl="0" eaLnBrk="1" latinLnBrk="0" hangingPunct="1">
+              <a:defRPr sz="1800" kern="1200">
+                <a:solidFill>
+                  <a:schemeClr val="tx1"/>
+                </a:solidFill>
+                <a:latin typeface="+mn-lt"/>
+                <a:ea typeface="+mn-ea"/>
+                <a:cs typeface="+mn-cs"/>
+              </a:defRPr>
+            </a:lvl4pPr>
+            <a:lvl5pPr marL="1828800" algn="l" defTabSz="914400" rtl="0" eaLnBrk="1" latinLnBrk="0" hangingPunct="1">
+              <a:defRPr sz="1800" kern="1200">
+                <a:solidFill>
+                  <a:schemeClr val="tx1"/>
+                </a:solidFill>
+                <a:latin typeface="+mn-lt"/>
+                <a:ea typeface="+mn-ea"/>
+                <a:cs typeface="+mn-cs"/>
+              </a:defRPr>
+            </a:lvl5pPr>
+            <a:lvl6pPr marL="2286000" algn="l" defTabSz="914400" rtl="0" eaLnBrk="1" latinLnBrk="0" hangingPunct="1">
+              <a:defRPr sz="1800" kern="1200">
+                <a:solidFill>
+                  <a:schemeClr val="tx1"/>
+                </a:solidFill>
+                <a:latin typeface="+mn-lt"/>
+                <a:ea typeface="+mn-ea"/>
+                <a:cs typeface="+mn-cs"/>
+              </a:defRPr>
+            </a:lvl6pPr>
+            <a:lvl7pPr marL="2743200" algn="l" defTabSz="914400" rtl="0" eaLnBrk="1" latinLnBrk="0" hangingPunct="1">
+              <a:defRPr sz="1800" kern="1200">
+                <a:solidFill>
+                  <a:schemeClr val="tx1"/>
+                </a:solidFill>
+                <a:latin typeface="+mn-lt"/>
+                <a:ea typeface="+mn-ea"/>
+                <a:cs typeface="+mn-cs"/>
+              </a:defRPr>
+            </a:lvl7pPr>
+            <a:lvl8pPr marL="3200400" algn="l" defTabSz="914400" rtl="0" eaLnBrk="1" latinLnBrk="0" hangingPunct="1">
+              <a:defRPr sz="1800" kern="1200">
+                <a:solidFill>
+                  <a:schemeClr val="tx1"/>
+                </a:solidFill>
+                <a:latin typeface="+mn-lt"/>
+                <a:ea typeface="+mn-ea"/>
+                <a:cs typeface="+mn-cs"/>
+              </a:defRPr>
+            </a:lvl8pPr>
+            <a:lvl9pPr marL="3657600" algn="l" defTabSz="914400" rtl="0" eaLnBrk="1" latinLnBrk="0" hangingPunct="1">
+              <a:defRPr sz="1800" kern="1200">
+                <a:solidFill>
+                  <a:schemeClr val="tx1"/>
+                </a:solidFill>
+                <a:latin typeface="+mn-lt"/>
+                <a:ea typeface="+mn-ea"/>
+                <a:cs typeface="+mn-cs"/>
+              </a:defRPr>
+            </a:lvl9pPr>
+          </a:lstStyle>
+          <a:p>
+            <a:pPr lvl="0" algn="l">
+              <a:buClrTx/>
+              <a:buSzTx/>
+              <a:buFontTx/>
+            </a:pPr>
+            <a:endParaRPr lang="zh-CN" altLang="en-US">
+              <a:sym typeface="+mn-ea"/>
+            </a:endParaRPr>
+          </a:p>
+        </p:txBody>
+      </p:sp>
+    </p:spTree>
+  </p:cSld>
+  <p:clrMapOvr>
+    <a:masterClrMapping/>
+  </p:clrMapOvr>
+</p:sld>
+</file>
+
+<file path=ppt/slides/slide8.xml><?xml version="1.0" encoding="utf-8"?>
+<p:sld xmlns:a="http://schemas.openxmlformats.org/drawingml/2006/main" xmlns:r="http://schemas.openxmlformats.org/officeDocument/2006/relationships" xmlns:p="http://schemas.openxmlformats.org/presentationml/2006/main">
+  <p:cSld>
+    <p:spTree>
+      <p:nvGrpSpPr>
+        <p:cNvPr id="1" name=""/>
+        <p:cNvGrpSpPr/>
+        <p:nvPr/>
+      </p:nvGrpSpPr>
+      <p:grpSpPr/>
+      <p:sp>
+        <p:nvSpPr>
           <p:cNvPr id="4" name="标题 3"/>
           <p:cNvSpPr/>
           <p:nvPr>
@@ -14865,6 +16295,457 @@
 
 <file path=ppt/tags/tag154.xml><?xml version="1.0" encoding="utf-8"?>
 <p:tagLst xmlns:p="http://schemas.openxmlformats.org/presentationml/2006/main">
+  <p:tag name="KSO_WM_BEAUTIFY_FLAG" val="#wm#"/>
+  <p:tag name="KSO_WM_UNIT_HIGHLIGHT" val="0"/>
+  <p:tag name="KSO_WM_UNIT_COMPATIBLE" val="0"/>
+  <p:tag name="KSO_WM_UNIT_DIAGRAM_ISNUMVISUAL" val="0"/>
+  <p:tag name="KSO_WM_UNIT_DIAGRAM_ISREFERUNIT" val="0"/>
+  <p:tag name="KSO_WM_UNIT_ID" val="diagram20231109_2*m_h_i*1_1_3"/>
+  <p:tag name="KSO_WM_TEMPLATE_CATEGORY" val="diagram"/>
+  <p:tag name="KSO_WM_TEMPLATE_INDEX" val="20231109"/>
+  <p:tag name="KSO_WM_UNIT_LAYERLEVEL" val="1_1_1"/>
+  <p:tag name="KSO_WM_TAG_VERSION" val="3.0"/>
+  <p:tag name="KSO_WM_DIAGRAM_VERSION" val="3"/>
+  <p:tag name="KSO_WM_DIAGRAM_COLOR_TRICK" val="2"/>
+  <p:tag name="KSO_WM_DIAGRAM_COLOR_TEXT_CAN_REMOVE" val="n"/>
+  <p:tag name="KSO_WM_DIAGRAM_GROUP_CODE" val="m1-1"/>
+  <p:tag name="KSO_WM_UNIT_TYPE" val="m_h_i"/>
+  <p:tag name="KSO_WM_UNIT_INDEX" val="1_1_3"/>
+  <p:tag name="KSO_WM_DIAGRAM_MAX_ITEMCNT" val="6"/>
+  <p:tag name="KSO_WM_DIAGRAM_MIN_ITEMCNT" val="2"/>
+  <p:tag name="KSO_WM_DIAGRAM_VIRTUALLY_FRAME" val="{&quot;height&quot;:393.25000000000006,&quot;left&quot;:-25.9249545264056,&quot;top&quot;:141.30003937007874,&quot;width&quot;:951.6499877929688}"/>
+  <p:tag name="KSO_WM_DIAGRAM_COLOR_MATCH_VALUE" val="{&quot;shape&quot;:{&quot;fill&quot;:{&quot;gradient&quot;:[{&quot;brightness&quot;:0.15000000596046448,&quot;colorType&quot;:1,&quot;foreColorIndex&quot;:5,&quot;pos&quot;:1,&quot;transparency&quot;:0},{&quot;brightness&quot;:0,&quot;colorType&quot;:1,&quot;foreColorIndex&quot;:5,&quot;pos&quot;:0,&quot;transparency&quot;:0}],&quot;type&quot;:3},&quot;glow&quot;:{&quot;colorType&quot;:0},&quot;line&quot;:{&quot;type&quot;:0},&quot;shadow&quot;:{&quot;colorType&quot;:0},&quot;threeD&quot;:{&quot;curvedSurface&quot;:{&quot;brightness&quot;:0,&quot;colorType&quot;:2,&quot;rgb&quot;:&quot;#000000&quot;},&quot;depth&quot;:{&quot;colorType&quot;:0}}},&quot;text&quot;:{&quot;fill&quot;:{&quot;solid&quot;:{&quot;brightness&quot;:0,&quot;colorType&quot;:1,&quot;foreColorIndex&quot;:13,&quot;transparency&quot;:0},&quot;type&quot;:1},&quot;glow&quot;:{&quot;colorType&quot;:0},&quot;line&quot;:{&quot;type&quot;:0},&quot;shadow&quot;:{&quot;colorType&quot;:0},&quot;threeD&quot;:{&quot;curvedSurface&quot;:{&quot;brightness&quot;:0,&quot;colorType&quot;:2,&quot;rgb&quot;:&quot;#000000&quot;},&quot;depth&quot;:{&quot;colorType&quot;:0}}}}"/>
+  <p:tag name="KSO_WM_UNIT_FILL_TYPE" val="3"/>
+</p:tagLst>
+</file>
+
+<file path=ppt/tags/tag155.xml><?xml version="1.0" encoding="utf-8"?>
+<p:tagLst xmlns:p="http://schemas.openxmlformats.org/presentationml/2006/main">
+  <p:tag name="KSO_WM_BEAUTIFY_FLAG" val="#wm#"/>
+  <p:tag name="KSO_WM_UNIT_HIGHLIGHT" val="0"/>
+  <p:tag name="KSO_WM_UNIT_COMPATIBLE" val="0"/>
+  <p:tag name="KSO_WM_UNIT_DIAGRAM_ISNUMVISUAL" val="0"/>
+  <p:tag name="KSO_WM_UNIT_DIAGRAM_ISREFERUNIT" val="0"/>
+  <p:tag name="KSO_WM_UNIT_ID" val="diagram20231109_2*m_h_i*1_2_2"/>
+  <p:tag name="KSO_WM_TEMPLATE_CATEGORY" val="diagram"/>
+  <p:tag name="KSO_WM_TEMPLATE_INDEX" val="20231109"/>
+  <p:tag name="KSO_WM_UNIT_LAYERLEVEL" val="1_1_1"/>
+  <p:tag name="KSO_WM_TAG_VERSION" val="3.0"/>
+  <p:tag name="KSO_WM_DIAGRAM_VERSION" val="3"/>
+  <p:tag name="KSO_WM_DIAGRAM_COLOR_TRICK" val="2"/>
+  <p:tag name="KSO_WM_DIAGRAM_COLOR_TEXT_CAN_REMOVE" val="n"/>
+  <p:tag name="KSO_WM_DIAGRAM_GROUP_CODE" val="m1-1"/>
+  <p:tag name="KSO_WM_UNIT_TYPE" val="m_h_i"/>
+  <p:tag name="KSO_WM_UNIT_INDEX" val="1_2_2"/>
+  <p:tag name="KSO_WM_DIAGRAM_MAX_ITEMCNT" val="6"/>
+  <p:tag name="KSO_WM_DIAGRAM_MIN_ITEMCNT" val="2"/>
+  <p:tag name="KSO_WM_DIAGRAM_VIRTUALLY_FRAME" val="{&quot;height&quot;:393.25000000000006,&quot;left&quot;:-25.9249545264056,&quot;top&quot;:141.30003937007874,&quot;width&quot;:951.6499877929688}"/>
+  <p:tag name="KSO_WM_DIAGRAM_COLOR_MATCH_VALUE" val="{&quot;shape&quot;:{&quot;fill&quot;:{&quot;gradient&quot;:[{&quot;brightness&quot;:0.15000000596046448,&quot;colorType&quot;:1,&quot;foreColorIndex&quot;:8,&quot;pos&quot;:1,&quot;transparency&quot;:0},{&quot;brightness&quot;:0,&quot;colorType&quot;:1,&quot;foreColorIndex&quot;:8,&quot;pos&quot;:0,&quot;transparency&quot;:0}],&quot;type&quot;:3},&quot;glow&quot;:{&quot;colorType&quot;:0},&quot;line&quot;:{&quot;type&quot;:0},&quot;shadow&quot;:{&quot;colorType&quot;:0},&quot;threeD&quot;:{&quot;curvedSurface&quot;:{&quot;brightness&quot;:0,&quot;colorType&quot;:2,&quot;rgb&quot;:&quot;#000000&quot;},&quot;depth&quot;:{&quot;colorType&quot;:0}}},&quot;text&quot;:{&quot;fill&quot;:{&quot;solid&quot;:{&quot;brightness&quot;:0,&quot;colorType&quot;:1,&quot;foreColorIndex&quot;:13,&quot;transparency&quot;:0},&quot;type&quot;:1},&quot;glow&quot;:{&quot;colorType&quot;:0},&quot;line&quot;:{&quot;type&quot;:0},&quot;shadow&quot;:{&quot;colorType&quot;:0},&quot;threeD&quot;:{&quot;curvedSurface&quot;:{&quot;brightness&quot;:0,&quot;colorType&quot;:2,&quot;rgb&quot;:&quot;#000000&quot;},&quot;depth&quot;:{&quot;colorType&quot;:0}}}}"/>
+  <p:tag name="KSO_WM_UNIT_FILL_TYPE" val="3"/>
+</p:tagLst>
+</file>
+
+<file path=ppt/tags/tag156.xml><?xml version="1.0" encoding="utf-8"?>
+<p:tagLst xmlns:p="http://schemas.openxmlformats.org/presentationml/2006/main">
+  <p:tag name="KSO_WM_BEAUTIFY_FLAG" val="#wm#"/>
+  <p:tag name="KSO_WM_UNIT_HIGHLIGHT" val="0"/>
+  <p:tag name="KSO_WM_UNIT_COMPATIBLE" val="0"/>
+  <p:tag name="KSO_WM_UNIT_DIAGRAM_ISNUMVISUAL" val="0"/>
+  <p:tag name="KSO_WM_UNIT_DIAGRAM_ISREFERUNIT" val="0"/>
+  <p:tag name="KSO_WM_UNIT_ID" val="diagram20231109_2*m_h_i*1_3_3"/>
+  <p:tag name="KSO_WM_TEMPLATE_CATEGORY" val="diagram"/>
+  <p:tag name="KSO_WM_TEMPLATE_INDEX" val="20231109"/>
+  <p:tag name="KSO_WM_UNIT_LAYERLEVEL" val="1_1_1"/>
+  <p:tag name="KSO_WM_TAG_VERSION" val="3.0"/>
+  <p:tag name="KSO_WM_DIAGRAM_VERSION" val="3"/>
+  <p:tag name="KSO_WM_DIAGRAM_COLOR_TRICK" val="2"/>
+  <p:tag name="KSO_WM_DIAGRAM_COLOR_TEXT_CAN_REMOVE" val="n"/>
+  <p:tag name="KSO_WM_DIAGRAM_GROUP_CODE" val="m1-1"/>
+  <p:tag name="KSO_WM_UNIT_TYPE" val="m_h_i"/>
+  <p:tag name="KSO_WM_UNIT_INDEX" val="1_3_3"/>
+  <p:tag name="KSO_WM_DIAGRAM_MAX_ITEMCNT" val="6"/>
+  <p:tag name="KSO_WM_DIAGRAM_MIN_ITEMCNT" val="2"/>
+  <p:tag name="KSO_WM_DIAGRAM_VIRTUALLY_FRAME" val="{&quot;height&quot;:393.25000000000006,&quot;left&quot;:-25.9249545264056,&quot;top&quot;:141.30003937007874,&quot;width&quot;:951.6499877929688}"/>
+  <p:tag name="KSO_WM_DIAGRAM_COLOR_MATCH_VALUE" val="{&quot;shape&quot;:{&quot;fill&quot;:{&quot;gradient&quot;:[{&quot;brightness&quot;:0.15000000596046448,&quot;colorType&quot;:1,&quot;foreColorIndex&quot;:5,&quot;pos&quot;:1,&quot;transparency&quot;:0},{&quot;brightness&quot;:0,&quot;colorType&quot;:1,&quot;foreColorIndex&quot;:5,&quot;pos&quot;:0,&quot;transparency&quot;:0}],&quot;type&quot;:3},&quot;glow&quot;:{&quot;colorType&quot;:0},&quot;line&quot;:{&quot;type&quot;:0},&quot;shadow&quot;:{&quot;colorType&quot;:0},&quot;threeD&quot;:{&quot;curvedSurface&quot;:{&quot;brightness&quot;:0,&quot;colorType&quot;:2,&quot;rgb&quot;:&quot;#000000&quot;},&quot;depth&quot;:{&quot;colorType&quot;:0}}},&quot;text&quot;:{&quot;fill&quot;:{&quot;solid&quot;:{&quot;brightness&quot;:0,&quot;colorType&quot;:1,&quot;foreColorIndex&quot;:13,&quot;transparency&quot;:0},&quot;type&quot;:1},&quot;glow&quot;:{&quot;colorType&quot;:0},&quot;line&quot;:{&quot;type&quot;:0},&quot;shadow&quot;:{&quot;colorType&quot;:0},&quot;threeD&quot;:{&quot;curvedSurface&quot;:{&quot;brightness&quot;:0,&quot;colorType&quot;:2,&quot;rgb&quot;:&quot;#000000&quot;},&quot;depth&quot;:{&quot;colorType&quot;:0}}}}"/>
+  <p:tag name="KSO_WM_UNIT_FILL_TYPE" val="3"/>
+</p:tagLst>
+</file>
+
+<file path=ppt/tags/tag157.xml><?xml version="1.0" encoding="utf-8"?>
+<p:tagLst xmlns:p="http://schemas.openxmlformats.org/presentationml/2006/main">
+  <p:tag name="KSO_WM_BEAUTIFY_FLAG" val="#wm#"/>
+  <p:tag name="KSO_WM_UNIT_HIGHLIGHT" val="0"/>
+  <p:tag name="KSO_WM_UNIT_COMPATIBLE" val="0"/>
+  <p:tag name="KSO_WM_UNIT_DIAGRAM_ISNUMVISUAL" val="0"/>
+  <p:tag name="KSO_WM_UNIT_DIAGRAM_ISREFERUNIT" val="0"/>
+  <p:tag name="KSO_WM_UNIT_ID" val="diagram20231109_2*m_h_i*1_3_4"/>
+  <p:tag name="KSO_WM_TEMPLATE_CATEGORY" val="diagram"/>
+  <p:tag name="KSO_WM_TEMPLATE_INDEX" val="20231109"/>
+  <p:tag name="KSO_WM_UNIT_LAYERLEVEL" val="1_1_1"/>
+  <p:tag name="KSO_WM_TAG_VERSION" val="3.0"/>
+  <p:tag name="KSO_WM_DIAGRAM_VERSION" val="3"/>
+  <p:tag name="KSO_WM_DIAGRAM_COLOR_TRICK" val="2"/>
+  <p:tag name="KSO_WM_DIAGRAM_COLOR_TEXT_CAN_REMOVE" val="n"/>
+  <p:tag name="KSO_WM_DIAGRAM_GROUP_CODE" val="m1-1"/>
+  <p:tag name="KSO_WM_UNIT_TYPE" val="m_h_i"/>
+  <p:tag name="KSO_WM_UNIT_INDEX" val="1_3_4"/>
+  <p:tag name="KSO_WM_DIAGRAM_MAX_ITEMCNT" val="6"/>
+  <p:tag name="KSO_WM_DIAGRAM_MIN_ITEMCNT" val="2"/>
+  <p:tag name="KSO_WM_DIAGRAM_VIRTUALLY_FRAME" val="{&quot;height&quot;:393.25000000000006,&quot;left&quot;:-25.9249545264056,&quot;top&quot;:141.30003937007874,&quot;width&quot;:951.6499877929688}"/>
+  <p:tag name="KSO_WM_DIAGRAM_COLOR_MATCH_VALUE" val="{&quot;shape&quot;:{&quot;fill&quot;:{&quot;type&quot;:0},&quot;glow&quot;:{&quot;colorType&quot;:0},&quot;line&quot;:{&quot;solidLine&quot;:{&quot;brightness&quot;:0,&quot;colorType&quot;:1,&quot;foreColorIndex&quot;:5,&quot;transparency&quot;:0},&quot;type&quot;:1},&quot;shadow&quot;:{&quot;colorType&quot;:0},&quot;threeD&quot;:{&quot;curvedSurface&quot;:{&quot;brightness&quot;:0,&quot;colorType&quot;:2,&quot;rgb&quot;:&quot;#000000&quot;},&quot;depth&quot;:{&quot;colorType&quot;:0}}},&quot;text&quot;:{&quot;fill&quot;:{},&quot;glow&quot;:{},&quot;line&quot;:{},&quot;shadow&quot;:{},&quot;threeD&quot;:{}}}"/>
+  <p:tag name="KSO_WM_UNIT_LINE_FORE_SCHEMECOLOR_INDEX" val="5"/>
+</p:tagLst>
+</file>
+
+<file path=ppt/tags/tag158.xml><?xml version="1.0" encoding="utf-8"?>
+<p:tagLst xmlns:p="http://schemas.openxmlformats.org/presentationml/2006/main">
+  <p:tag name="KSO_WM_BEAUTIFY_FLAG" val="#wm#"/>
+  <p:tag name="KSO_WM_UNIT_HIGHLIGHT" val="0"/>
+  <p:tag name="KSO_WM_UNIT_COMPATIBLE" val="0"/>
+  <p:tag name="KSO_WM_UNIT_DIAGRAM_ISNUMVISUAL" val="0"/>
+  <p:tag name="KSO_WM_UNIT_DIAGRAM_ISREFERUNIT" val="0"/>
+  <p:tag name="KSO_WM_UNIT_ID" val="diagram20231109_2*m_h_i*1_2_3"/>
+  <p:tag name="KSO_WM_TEMPLATE_CATEGORY" val="diagram"/>
+  <p:tag name="KSO_WM_TEMPLATE_INDEX" val="20231109"/>
+  <p:tag name="KSO_WM_UNIT_LAYERLEVEL" val="1_1_1"/>
+  <p:tag name="KSO_WM_TAG_VERSION" val="3.0"/>
+  <p:tag name="KSO_WM_DIAGRAM_VERSION" val="3"/>
+  <p:tag name="KSO_WM_DIAGRAM_COLOR_TRICK" val="2"/>
+  <p:tag name="KSO_WM_DIAGRAM_COLOR_TEXT_CAN_REMOVE" val="n"/>
+  <p:tag name="KSO_WM_DIAGRAM_GROUP_CODE" val="m1-1"/>
+  <p:tag name="KSO_WM_UNIT_TYPE" val="m_h_i"/>
+  <p:tag name="KSO_WM_UNIT_INDEX" val="1_2_3"/>
+  <p:tag name="KSO_WM_DIAGRAM_MAX_ITEMCNT" val="6"/>
+  <p:tag name="KSO_WM_DIAGRAM_MIN_ITEMCNT" val="2"/>
+  <p:tag name="KSO_WM_DIAGRAM_VIRTUALLY_FRAME" val="{&quot;height&quot;:393.25000000000006,&quot;left&quot;:-25.9249545264056,&quot;top&quot;:141.30003937007874,&quot;width&quot;:951.6499877929688}"/>
+  <p:tag name="KSO_WM_DIAGRAM_COLOR_MATCH_VALUE" val="{&quot;shape&quot;:{&quot;fill&quot;:{&quot;type&quot;:0},&quot;glow&quot;:{&quot;colorType&quot;:0},&quot;line&quot;:{&quot;solidLine&quot;:{&quot;brightness&quot;:0,&quot;colorType&quot;:1,&quot;foreColorIndex&quot;:8,&quot;transparency&quot;:0},&quot;type&quot;:1},&quot;shadow&quot;:{&quot;colorType&quot;:0},&quot;threeD&quot;:{&quot;curvedSurface&quot;:{&quot;brightness&quot;:0,&quot;colorType&quot;:2,&quot;rgb&quot;:&quot;#000000&quot;},&quot;depth&quot;:{&quot;colorType&quot;:0}}},&quot;text&quot;:{&quot;fill&quot;:{},&quot;glow&quot;:{},&quot;line&quot;:{},&quot;shadow&quot;:{},&quot;threeD&quot;:{}}}"/>
+  <p:tag name="KSO_WM_UNIT_LINE_FORE_SCHEMECOLOR_INDEX" val="8"/>
+</p:tagLst>
+</file>
+
+<file path=ppt/tags/tag159.xml><?xml version="1.0" encoding="utf-8"?>
+<p:tagLst xmlns:p="http://schemas.openxmlformats.org/presentationml/2006/main">
+  <p:tag name="KSO_WM_BEAUTIFY_FLAG" val="#wm#"/>
+  <p:tag name="KSO_WM_UNIT_HIGHLIGHT" val="0"/>
+  <p:tag name="KSO_WM_UNIT_COMPATIBLE" val="0"/>
+  <p:tag name="KSO_WM_UNIT_DIAGRAM_ISNUMVISUAL" val="0"/>
+  <p:tag name="KSO_WM_UNIT_DIAGRAM_ISREFERUNIT" val="0"/>
+  <p:tag name="KSO_WM_UNIT_ID" val="diagram20231109_2*m_h_x*1_1_1"/>
+  <p:tag name="KSO_WM_TEMPLATE_CATEGORY" val="diagram"/>
+  <p:tag name="KSO_WM_TEMPLATE_INDEX" val="20231109"/>
+  <p:tag name="KSO_WM_UNIT_LAYERLEVEL" val="1_1_1"/>
+  <p:tag name="KSO_WM_TAG_VERSION" val="3.0"/>
+  <p:tag name="KSO_WM_DIAGRAM_VERSION" val="3"/>
+  <p:tag name="KSO_WM_DIAGRAM_COLOR_TRICK" val="2"/>
+  <p:tag name="KSO_WM_DIAGRAM_COLOR_TEXT_CAN_REMOVE" val="n"/>
+  <p:tag name="KSO_WM_UNIT_VALUE" val="262*1"/>
+  <p:tag name="KSO_WM_DIAGRAM_GROUP_CODE" val="m1-1"/>
+  <p:tag name="KSO_WM_UNIT_TYPE" val="m_h_x"/>
+  <p:tag name="KSO_WM_UNIT_INDEX" val="1_1_1"/>
+  <p:tag name="KSO_WM_DIAGRAM_MAX_ITEMCNT" val="6"/>
+  <p:tag name="KSO_WM_DIAGRAM_MIN_ITEMCNT" val="2"/>
+  <p:tag name="KSO_WM_DIAGRAM_VIRTUALLY_FRAME" val="{&quot;height&quot;:393.25000000000006,&quot;left&quot;:-25.9249545264056,&quot;top&quot;:141.30003937007874,&quot;width&quot;:951.6499877929688}"/>
+  <p:tag name="KSO_WM_DIAGRAM_COLOR_MATCH_VALUE" val="{&quot;shape&quot;:{&quot;fill&quot;:{&quot;type&quot;:0},&quot;glow&quot;:{&quot;colorType&quot;:0},&quot;line&quot;:{&quot;solidLine&quot;:{&quot;brightness&quot;:0,&quot;colorType&quot;:1,&quot;foreColorIndex&quot;:5,&quot;transparency&quot;:0},&quot;type&quot;:1},&quot;shadow&quot;:{&quot;colorType&quot;:0},&quot;threeD&quot;:{&quot;curvedSurface&quot;:{&quot;brightness&quot;:0,&quot;colorType&quot;:2,&quot;rgb&quot;:&quot;#000000&quot;},&quot;depth&quot;:{&quot;colorType&quot;:0}}},&quot;text&quot;:{&quot;fill&quot;:{},&quot;glow&quot;:{},&quot;line&quot;:{},&quot;shadow&quot;:{},&quot;threeD&quot;:{}}}"/>
+  <p:tag name="KSO_WM_UNIT_LINE_FORE_SCHEMECOLOR_INDEX" val="5"/>
+</p:tagLst>
+</file>
+
+<file path=ppt/tags/tag16.xml><?xml version="1.0" encoding="utf-8"?>
+<p:tagLst xmlns:p="http://schemas.openxmlformats.org/presentationml/2006/main">
+  <p:tag name="KSO_WM_UNIT_PRESET_TEXT" val="01"/>
+  <p:tag name="KSO_WM_UNIT_NOCLEAR" val="0"/>
+  <p:tag name="KSO_WM_UNIT_VALUE" val="6"/>
+  <p:tag name="KSO_WM_UNIT_HIGHLIGHT" val="0"/>
+  <p:tag name="KSO_WM_UNIT_COMPATIBLE" val="1"/>
+  <p:tag name="KSO_WM_UNIT_DIAGRAM_ISNUMVISUAL" val="0"/>
+  <p:tag name="KSO_WM_UNIT_DIAGRAM_ISREFERUNIT" val="0"/>
+  <p:tag name="KSO_WM_UNIT_TYPE" val="e"/>
+  <p:tag name="KSO_WM_UNIT_INDEX" val="1"/>
+  <p:tag name="KSO_WM_UNIT_ID" val="_3*e*1"/>
+  <p:tag name="KSO_WM_UNIT_LAYERLEVEL" val="1"/>
+  <p:tag name="KSO_WM_TAG_VERSION" val="1.0"/>
+  <p:tag name="KSO_WM_BEAUTIFY_FLAG" val="#wm#"/>
+  <p:tag name="KSO_WM_UNIT_CONTENT_GROUP_TYPE" val="contentchip"/>
+</p:tagLst>
+</file>
+
+<file path=ppt/tags/tag160.xml><?xml version="1.0" encoding="utf-8"?>
+<p:tagLst xmlns:p="http://schemas.openxmlformats.org/presentationml/2006/main">
+  <p:tag name="KSO_WM_BEAUTIFY_FLAG" val="#wm#"/>
+  <p:tag name="KSO_WM_UNIT_HIGHLIGHT" val="0"/>
+  <p:tag name="KSO_WM_UNIT_COMPATIBLE" val="0"/>
+  <p:tag name="KSO_WM_UNIT_DIAGRAM_ISNUMVISUAL" val="0"/>
+  <p:tag name="KSO_WM_UNIT_DIAGRAM_ISREFERUNIT" val="0"/>
+  <p:tag name="KSO_WM_UNIT_ID" val="diagram20231109_2*m_h_i*1_3_2"/>
+  <p:tag name="KSO_WM_TEMPLATE_CATEGORY" val="diagram"/>
+  <p:tag name="KSO_WM_TEMPLATE_INDEX" val="20231109"/>
+  <p:tag name="KSO_WM_UNIT_LAYERLEVEL" val="1_1_1"/>
+  <p:tag name="KSO_WM_TAG_VERSION" val="3.0"/>
+  <p:tag name="KSO_WM_DIAGRAM_VERSION" val="3"/>
+  <p:tag name="KSO_WM_DIAGRAM_COLOR_TRICK" val="2"/>
+  <p:tag name="KSO_WM_DIAGRAM_COLOR_TEXT_CAN_REMOVE" val="n"/>
+  <p:tag name="KSO_WM_DIAGRAM_GROUP_CODE" val="m1-1"/>
+  <p:tag name="KSO_WM_UNIT_SUBTYPE" val="d"/>
+  <p:tag name="KSO_WM_UNIT_TYPE" val="m_h_i"/>
+  <p:tag name="KSO_WM_UNIT_INDEX" val="1_3_2"/>
+  <p:tag name="KSO_WM_DIAGRAM_MAX_ITEMCNT" val="6"/>
+  <p:tag name="KSO_WM_DIAGRAM_MIN_ITEMCNT" val="2"/>
+  <p:tag name="KSO_WM_DIAGRAM_VIRTUALLY_FRAME" val="{&quot;height&quot;:393.25000000000006,&quot;left&quot;:-25.9249545264056,&quot;top&quot;:141.30003937007874,&quot;width&quot;:951.6499877929688}"/>
+  <p:tag name="KSO_WM_DIAGRAM_COLOR_MATCH_VALUE" val="{&quot;shape&quot;:{&quot;fill&quot;:{&quot;solid&quot;:{&quot;brightness&quot;:0,&quot;colorType&quot;:1,&quot;foreColorIndex&quot;:5,&quot;transparency&quot;:0},&quot;type&quot;:1},&quot;glow&quot;:{&quot;colorType&quot;:0},&quot;line&quot;:{&quot;type&quot;:0},&quot;shadow&quot;:{&quot;colorType&quot;:0},&quot;threeD&quot;:{&quot;curvedSurface&quot;:{&quot;brightness&quot;:0,&quot;colorType&quot;:2,&quot;rgb&quot;:&quot;#000000&quot;},&quot;depth&quot;:{&quot;colorType&quot;:0}}},&quot;text&quot;:{&quot;fill&quot;:{&quot;solid&quot;:{&quot;brightness&quot;:0,&quot;colorType&quot;:1,&quot;foreColorIndex&quot;:2,&quot;transparency&quot;:0},&quot;type&quot;:1},&quot;glow&quot;:{&quot;colorType&quot;:0},&quot;line&quot;:{&quot;type&quot;:0},&quot;shadow&quot;:{&quot;colorType&quot;:0},&quot;threeD&quot;:{&quot;curvedSurface&quot;:{&quot;brightness&quot;:0,&quot;colorType&quot;:2,&quot;rgb&quot;:&quot;#000000&quot;},&quot;depth&quot;:{&quot;colorType&quot;:0}}}}"/>
+  <p:tag name="KSO_WM_UNIT_FILL_TYPE" val="1"/>
+  <p:tag name="KSO_WM_UNIT_FILL_FORE_SCHEMECOLOR_INDEX" val="5"/>
+  <p:tag name="KSO_WM_UNIT_FILL_FORE_SCHEMECOLOR_INDEX_BRIGHTNESS" val="0"/>
+  <p:tag name="KSO_WM_UNIT_TEXT_FILL_FORE_SCHEMECOLOR_INDEX" val="1"/>
+  <p:tag name="KSO_WM_UNIT_TEXT_FILL_TYPE" val="1"/>
+  <p:tag name="KSO_WM_UNIT_PRESET_TEXT" val="3"/>
+</p:tagLst>
+</file>
+
+<file path=ppt/tags/tag161.xml><?xml version="1.0" encoding="utf-8"?>
+<p:tagLst xmlns:p="http://schemas.openxmlformats.org/presentationml/2006/main">
+  <p:tag name="KSO_WM_BEAUTIFY_FLAG" val="#wm#"/>
+  <p:tag name="KSO_WM_UNIT_HIGHLIGHT" val="0"/>
+  <p:tag name="KSO_WM_UNIT_COMPATIBLE" val="0"/>
+  <p:tag name="KSO_WM_UNIT_DIAGRAM_ISNUMVISUAL" val="0"/>
+  <p:tag name="KSO_WM_UNIT_DIAGRAM_ISREFERUNIT" val="0"/>
+  <p:tag name="KSO_WM_UNIT_ID" val="diagram20231109_2*m_h_i*1_1_2"/>
+  <p:tag name="KSO_WM_TEMPLATE_CATEGORY" val="diagram"/>
+  <p:tag name="KSO_WM_TEMPLATE_INDEX" val="20231109"/>
+  <p:tag name="KSO_WM_UNIT_LAYERLEVEL" val="1_1_1"/>
+  <p:tag name="KSO_WM_TAG_VERSION" val="3.0"/>
+  <p:tag name="KSO_WM_DIAGRAM_VERSION" val="3"/>
+  <p:tag name="KSO_WM_DIAGRAM_COLOR_TRICK" val="2"/>
+  <p:tag name="KSO_WM_DIAGRAM_COLOR_TEXT_CAN_REMOVE" val="n"/>
+  <p:tag name="KSO_WM_DIAGRAM_GROUP_CODE" val="m1-1"/>
+  <p:tag name="KSO_WM_UNIT_SUBTYPE" val="d"/>
+  <p:tag name="KSO_WM_UNIT_TYPE" val="m_h_i"/>
+  <p:tag name="KSO_WM_UNIT_INDEX" val="1_1_2"/>
+  <p:tag name="KSO_WM_DIAGRAM_MAX_ITEMCNT" val="6"/>
+  <p:tag name="KSO_WM_DIAGRAM_MIN_ITEMCNT" val="2"/>
+  <p:tag name="KSO_WM_DIAGRAM_VIRTUALLY_FRAME" val="{&quot;height&quot;:393.25000000000006,&quot;left&quot;:-25.9249545264056,&quot;top&quot;:141.30003937007874,&quot;width&quot;:951.6499877929688}"/>
+  <p:tag name="KSO_WM_DIAGRAM_COLOR_MATCH_VALUE" val="{&quot;shape&quot;:{&quot;fill&quot;:{&quot;solid&quot;:{&quot;brightness&quot;:0,&quot;colorType&quot;:1,&quot;foreColorIndex&quot;:5,&quot;transparency&quot;:0},&quot;type&quot;:1},&quot;glow&quot;:{&quot;colorType&quot;:0},&quot;line&quot;:{&quot;type&quot;:0},&quot;shadow&quot;:{&quot;colorType&quot;:0},&quot;threeD&quot;:{&quot;curvedSurface&quot;:{&quot;brightness&quot;:0,&quot;colorType&quot;:2,&quot;rgb&quot;:&quot;#000000&quot;},&quot;depth&quot;:{&quot;colorType&quot;:0}}},&quot;text&quot;:{&quot;fill&quot;:{&quot;solid&quot;:{&quot;brightness&quot;:0,&quot;colorType&quot;:1,&quot;foreColorIndex&quot;:2,&quot;transparency&quot;:0},&quot;type&quot;:1},&quot;glow&quot;:{&quot;colorType&quot;:0},&quot;line&quot;:{&quot;type&quot;:0},&quot;shadow&quot;:{&quot;colorType&quot;:0},&quot;threeD&quot;:{&quot;curvedSurface&quot;:{&quot;brightness&quot;:0,&quot;colorType&quot;:2,&quot;rgb&quot;:&quot;#000000&quot;},&quot;depth&quot;:{&quot;colorType&quot;:0}}}}"/>
+  <p:tag name="KSO_WM_UNIT_FILL_TYPE" val="1"/>
+  <p:tag name="KSO_WM_UNIT_FILL_FORE_SCHEMECOLOR_INDEX" val="5"/>
+  <p:tag name="KSO_WM_UNIT_FILL_FORE_SCHEMECOLOR_INDEX_BRIGHTNESS" val="0"/>
+  <p:tag name="KSO_WM_UNIT_TEXT_FILL_FORE_SCHEMECOLOR_INDEX" val="1"/>
+  <p:tag name="KSO_WM_UNIT_TEXT_FILL_TYPE" val="1"/>
+  <p:tag name="KSO_WM_UNIT_PRESET_TEXT" val="1"/>
+</p:tagLst>
+</file>
+
+<file path=ppt/tags/tag162.xml><?xml version="1.0" encoding="utf-8"?>
+<p:tagLst xmlns:p="http://schemas.openxmlformats.org/presentationml/2006/main">
+  <p:tag name="KSO_WM_BEAUTIFY_FLAG" val="#wm#"/>
+  <p:tag name="KSO_WM_UNIT_HIGHLIGHT" val="0"/>
+  <p:tag name="KSO_WM_UNIT_COMPATIBLE" val="0"/>
+  <p:tag name="KSO_WM_UNIT_DIAGRAM_ISNUMVISUAL" val="0"/>
+  <p:tag name="KSO_WM_UNIT_DIAGRAM_ISREFERUNIT" val="0"/>
+  <p:tag name="KSO_WM_UNIT_ID" val="diagram20231109_2*m_h_i*1_2_1"/>
+  <p:tag name="KSO_WM_TEMPLATE_CATEGORY" val="diagram"/>
+  <p:tag name="KSO_WM_TEMPLATE_INDEX" val="20231109"/>
+  <p:tag name="KSO_WM_UNIT_LAYERLEVEL" val="1_1_1"/>
+  <p:tag name="KSO_WM_TAG_VERSION" val="3.0"/>
+  <p:tag name="KSO_WM_DIAGRAM_VERSION" val="3"/>
+  <p:tag name="KSO_WM_DIAGRAM_COLOR_TRICK" val="2"/>
+  <p:tag name="KSO_WM_DIAGRAM_COLOR_TEXT_CAN_REMOVE" val="n"/>
+  <p:tag name="KSO_WM_DIAGRAM_GROUP_CODE" val="m1-1"/>
+  <p:tag name="KSO_WM_UNIT_SUBTYPE" val="d"/>
+  <p:tag name="KSO_WM_UNIT_TYPE" val="m_h_i"/>
+  <p:tag name="KSO_WM_UNIT_INDEX" val="1_2_1"/>
+  <p:tag name="KSO_WM_DIAGRAM_MAX_ITEMCNT" val="6"/>
+  <p:tag name="KSO_WM_DIAGRAM_MIN_ITEMCNT" val="2"/>
+  <p:tag name="KSO_WM_DIAGRAM_VIRTUALLY_FRAME" val="{&quot;height&quot;:393.25000000000006,&quot;left&quot;:-25.9249545264056,&quot;top&quot;:141.30003937007874,&quot;width&quot;:951.6499877929688}"/>
+  <p:tag name="KSO_WM_DIAGRAM_COLOR_MATCH_VALUE" val="{&quot;shape&quot;:{&quot;fill&quot;:{&quot;solid&quot;:{&quot;brightness&quot;:0,&quot;colorType&quot;:1,&quot;foreColorIndex&quot;:8,&quot;transparency&quot;:0},&quot;type&quot;:1},&quot;glow&quot;:{&quot;colorType&quot;:0},&quot;line&quot;:{&quot;type&quot;:0},&quot;shadow&quot;:{&quot;colorType&quot;:0},&quot;threeD&quot;:{&quot;curvedSurface&quot;:{&quot;brightness&quot;:0,&quot;colorType&quot;:2,&quot;rgb&quot;:&quot;#000000&quot;},&quot;depth&quot;:{&quot;colorType&quot;:0}}},&quot;text&quot;:{&quot;fill&quot;:{&quot;solid&quot;:{&quot;brightness&quot;:0,&quot;colorType&quot;:1,&quot;foreColorIndex&quot;:2,&quot;transparency&quot;:0},&quot;type&quot;:1},&quot;glow&quot;:{&quot;colorType&quot;:0},&quot;line&quot;:{&quot;type&quot;:0},&quot;shadow&quot;:{&quot;colorType&quot;:0},&quot;threeD&quot;:{&quot;curvedSurface&quot;:{&quot;brightness&quot;:0,&quot;colorType&quot;:2,&quot;rgb&quot;:&quot;#000000&quot;},&quot;depth&quot;:{&quot;colorType&quot;:0}}}}"/>
+  <p:tag name="KSO_WM_UNIT_FILL_TYPE" val="1"/>
+  <p:tag name="KSO_WM_UNIT_FILL_FORE_SCHEMECOLOR_INDEX" val="8"/>
+  <p:tag name="KSO_WM_UNIT_FILL_FORE_SCHEMECOLOR_INDEX_BRIGHTNESS" val="0"/>
+  <p:tag name="KSO_WM_UNIT_TEXT_FILL_FORE_SCHEMECOLOR_INDEX" val="1"/>
+  <p:tag name="KSO_WM_UNIT_TEXT_FILL_TYPE" val="1"/>
+  <p:tag name="KSO_WM_UNIT_PRESET_TEXT" val="2"/>
+</p:tagLst>
+</file>
+
+<file path=ppt/tags/tag163.xml><?xml version="1.0" encoding="utf-8"?>
+<p:tagLst xmlns:p="http://schemas.openxmlformats.org/presentationml/2006/main">
+  <p:tag name="KSO_WM_UNIT_SUBTYPE" val="a"/>
+  <p:tag name="KSO_WM_UNIT_NOCLEAR" val="0"/>
+  <p:tag name="KSO_WM_UNIT_VALUE" val="60"/>
+  <p:tag name="KSO_WM_UNIT_HIGHLIGHT" val="0"/>
+  <p:tag name="KSO_WM_UNIT_COMPATIBLE" val="0"/>
+  <p:tag name="KSO_WM_UNIT_DIAGRAM_ISNUMVISUAL" val="0"/>
+  <p:tag name="KSO_WM_UNIT_DIAGRAM_ISREFERUNIT" val="0"/>
+  <p:tag name="KSO_WM_UNIT_TYPE" val="m_h_f"/>
+  <p:tag name="KSO_WM_UNIT_INDEX" val="1_2_1"/>
+  <p:tag name="KSO_WM_UNIT_ID" val="diagram20231109_2*m_h_f*1_2_1"/>
+  <p:tag name="KSO_WM_TEMPLATE_CATEGORY" val="diagram"/>
+  <p:tag name="KSO_WM_TEMPLATE_INDEX" val="20231109"/>
+  <p:tag name="KSO_WM_UNIT_LAYERLEVEL" val="1_1_1"/>
+  <p:tag name="KSO_WM_TAG_VERSION" val="3.0"/>
+  <p:tag name="KSO_WM_BEAUTIFY_FLAG" val="#wm#"/>
+  <p:tag name="KSO_WM_DIAGRAM_VERSION" val="3"/>
+  <p:tag name="KSO_WM_DIAGRAM_COLOR_TRICK" val="2"/>
+  <p:tag name="KSO_WM_DIAGRAM_COLOR_TEXT_CAN_REMOVE" val="n"/>
+  <p:tag name="KSO_WM_DIAGRAM_GROUP_CODE" val="m1-1"/>
+  <p:tag name="KSO_WM_DIAGRAM_MAX_ITEMCNT" val="6"/>
+  <p:tag name="KSO_WM_DIAGRAM_MIN_ITEMCNT" val="2"/>
+  <p:tag name="KSO_WM_DIAGRAM_VIRTUALLY_FRAME" val="{&quot;height&quot;:393.25000000000006,&quot;left&quot;:-25.9249545264056,&quot;top&quot;:141.30003937007874,&quot;width&quot;:951.6499877929688}"/>
+  <p:tag name="KSO_WM_DIAGRAM_COLOR_MATCH_VALUE" val="{&quot;shape&quot;:{&quot;fill&quot;:{&quot;type&quot;:0},&quot;glow&quot;:{&quot;colorType&quot;:0},&quot;line&quot;:{&quot;type&quot;:0},&quot;shadow&quot;:{&quot;colorType&quot;:0},&quot;threeD&quot;:{&quot;curvedSurface&quot;:{&quot;brightness&quot;:0,&quot;colorType&quot;:2,&quot;rgb&quot;:&quot;#000000&quot;},&quot;depth&quot;:{&quot;colorType&quot;:0}}},&quot;text&quot;:{&quot;fill&quot;:{&quot;solid&quot;:{&quot;brightness&quot;:0.15000000596046448,&quot;colorType&quot;:1,&quot;foreColorIndex&quot;:13,&quot;transparency&quot;:0},&quot;type&quot;:1},&quot;glow&quot;:{&quot;colorType&quot;:0},&quot;line&quot;:{&quot;type&quot;:0},&quot;shadow&quot;:{&quot;colorType&quot;:0},&quot;threeD&quot;:{&quot;curvedSurface&quot;:{&quot;brightness&quot;:0,&quot;colorType&quot;:2,&quot;rgb&quot;:&quot;#000000&quot;},&quot;depth&quot;:{&quot;colorType&quot;:0}}}}"/>
+  <p:tag name="KSO_WM_UNIT_TEXT_FILL_FORE_SCHEMECOLOR_INDEX" val="1"/>
+  <p:tag name="KSO_WM_UNIT_TEXT_FILL_TYPE" val="1"/>
+  <p:tag name="KSO_WM_UNIT_PRESET_TEXT" val="单击此处输入你的智能图形项正文"/>
+</p:tagLst>
+</file>
+
+<file path=ppt/tags/tag164.xml><?xml version="1.0" encoding="utf-8"?>
+<p:tagLst xmlns:p="http://schemas.openxmlformats.org/presentationml/2006/main">
+  <p:tag name="KSO_WM_UNIT_ISCONTENTSTITLE" val="0"/>
+  <p:tag name="KSO_WM_UNIT_ISNUMDGMTITLE" val="0"/>
+  <p:tag name="KSO_WM_UNIT_NOCLEAR" val="0"/>
+  <p:tag name="KSO_WM_UNIT_VALUE" val="10"/>
+  <p:tag name="KSO_WM_UNIT_HIGHLIGHT" val="0"/>
+  <p:tag name="KSO_WM_UNIT_COMPATIBLE" val="0"/>
+  <p:tag name="KSO_WM_UNIT_DIAGRAM_ISNUMVISUAL" val="0"/>
+  <p:tag name="KSO_WM_UNIT_DIAGRAM_ISREFERUNIT" val="0"/>
+  <p:tag name="KSO_WM_UNIT_TYPE" val="m_h_a"/>
+  <p:tag name="KSO_WM_UNIT_INDEX" val="1_2_1"/>
+  <p:tag name="KSO_WM_UNIT_ID" val="diagram20231109_2*m_h_a*1_2_1"/>
+  <p:tag name="KSO_WM_TEMPLATE_CATEGORY" val="diagram"/>
+  <p:tag name="KSO_WM_TEMPLATE_INDEX" val="20231109"/>
+  <p:tag name="KSO_WM_UNIT_LAYERLEVEL" val="1_1_1"/>
+  <p:tag name="KSO_WM_TAG_VERSION" val="3.0"/>
+  <p:tag name="KSO_WM_BEAUTIFY_FLAG" val="#wm#"/>
+  <p:tag name="KSO_WM_DIAGRAM_VERSION" val="3"/>
+  <p:tag name="KSO_WM_DIAGRAM_COLOR_TRICK" val="2"/>
+  <p:tag name="KSO_WM_DIAGRAM_COLOR_TEXT_CAN_REMOVE" val="n"/>
+  <p:tag name="KSO_WM_DIAGRAM_GROUP_CODE" val="m1-1"/>
+  <p:tag name="KSO_WM_DIAGRAM_MAX_ITEMCNT" val="6"/>
+  <p:tag name="KSO_WM_DIAGRAM_MIN_ITEMCNT" val="2"/>
+  <p:tag name="KSO_WM_DIAGRAM_VIRTUALLY_FRAME" val="{&quot;height&quot;:393.25000000000006,&quot;left&quot;:-25.9249545264056,&quot;top&quot;:141.30003937007874,&quot;width&quot;:951.6499877929688}"/>
+  <p:tag name="KSO_WM_DIAGRAM_COLOR_MATCH_VALUE" val="{&quot;shape&quot;:{&quot;fill&quot;:{&quot;type&quot;:0},&quot;glow&quot;:{&quot;colorType&quot;:0},&quot;line&quot;:{&quot;type&quot;:0},&quot;shadow&quot;:{&quot;colorType&quot;:0},&quot;threeD&quot;:{&quot;curvedSurface&quot;:{&quot;brightness&quot;:0,&quot;colorType&quot;:2,&quot;rgb&quot;:&quot;#000000&quot;},&quot;depth&quot;:{&quot;colorType&quot;:0}}},&quot;text&quot;:{&quot;fill&quot;:{&quot;solid&quot;:{&quot;brightness&quot;:0,&quot;colorType&quot;:1,&quot;foreColorIndex&quot;:8,&quot;transparency&quot;:0},&quot;type&quot;:1},&quot;glow&quot;:{&quot;colorType&quot;:0},&quot;line&quot;:{&quot;type&quot;:0},&quot;shadow&quot;:{&quot;colorType&quot;:0},&quot;threeD&quot;:{&quot;curvedSurface&quot;:{&quot;brightness&quot;:0,&quot;colorType&quot;:2,&quot;rgb&quot;:&quot;#000000&quot;},&quot;depth&quot;:{&quot;colorType&quot;:0}}}}"/>
+  <p:tag name="KSO_WM_UNIT_TEXT_FILL_FORE_SCHEMECOLOR_INDEX" val="1"/>
+  <p:tag name="KSO_WM_UNIT_TEXT_FILL_TYPE" val="1"/>
+  <p:tag name="KSO_WM_UNIT_PRESET_TEXT" val="添加标题"/>
+</p:tagLst>
+</file>
+
+<file path=ppt/tags/tag165.xml><?xml version="1.0" encoding="utf-8"?>
+<p:tagLst xmlns:p="http://schemas.openxmlformats.org/presentationml/2006/main">
+  <p:tag name="KSO_WM_UNIT_ISCONTENTSTITLE" val="0"/>
+  <p:tag name="KSO_WM_UNIT_ISNUMDGMTITLE" val="0"/>
+  <p:tag name="KSO_WM_UNIT_NOCLEAR" val="0"/>
+  <p:tag name="KSO_WM_UNIT_VALUE" val="10"/>
+  <p:tag name="KSO_WM_UNIT_HIGHLIGHT" val="0"/>
+  <p:tag name="KSO_WM_UNIT_COMPATIBLE" val="0"/>
+  <p:tag name="KSO_WM_UNIT_DIAGRAM_ISNUMVISUAL" val="0"/>
+  <p:tag name="KSO_WM_UNIT_DIAGRAM_ISREFERUNIT" val="0"/>
+  <p:tag name="KSO_WM_UNIT_TYPE" val="m_h_a"/>
+  <p:tag name="KSO_WM_UNIT_INDEX" val="1_1_1"/>
+  <p:tag name="KSO_WM_UNIT_ID" val="diagram20231109_2*m_h_a*1_1_1"/>
+  <p:tag name="KSO_WM_TEMPLATE_CATEGORY" val="diagram"/>
+  <p:tag name="KSO_WM_TEMPLATE_INDEX" val="20231109"/>
+  <p:tag name="KSO_WM_UNIT_LAYERLEVEL" val="1_1_1"/>
+  <p:tag name="KSO_WM_TAG_VERSION" val="3.0"/>
+  <p:tag name="KSO_WM_BEAUTIFY_FLAG" val="#wm#"/>
+  <p:tag name="KSO_WM_DIAGRAM_VERSION" val="3"/>
+  <p:tag name="KSO_WM_DIAGRAM_COLOR_TRICK" val="2"/>
+  <p:tag name="KSO_WM_DIAGRAM_COLOR_TEXT_CAN_REMOVE" val="n"/>
+  <p:tag name="KSO_WM_DIAGRAM_GROUP_CODE" val="m1-1"/>
+  <p:tag name="KSO_WM_DIAGRAM_MAX_ITEMCNT" val="6"/>
+  <p:tag name="KSO_WM_DIAGRAM_MIN_ITEMCNT" val="2"/>
+  <p:tag name="KSO_WM_DIAGRAM_VIRTUALLY_FRAME" val="{&quot;height&quot;:393.25000000000006,&quot;left&quot;:-25.9249545264056,&quot;top&quot;:141.30003937007874,&quot;width&quot;:951.6499877929688}"/>
+  <p:tag name="KSO_WM_DIAGRAM_COLOR_MATCH_VALUE" val="{&quot;shape&quot;:{&quot;fill&quot;:{&quot;type&quot;:0},&quot;glow&quot;:{&quot;colorType&quot;:0},&quot;line&quot;:{&quot;type&quot;:0},&quot;shadow&quot;:{&quot;colorType&quot;:0},&quot;threeD&quot;:{&quot;curvedSurface&quot;:{&quot;brightness&quot;:0,&quot;colorType&quot;:2,&quot;rgb&quot;:&quot;#000000&quot;},&quot;depth&quot;:{&quot;colorType&quot;:0}}},&quot;text&quot;:{&quot;fill&quot;:{&quot;solid&quot;:{&quot;brightness&quot;:0,&quot;colorType&quot;:1,&quot;foreColorIndex&quot;:5,&quot;transparency&quot;:0},&quot;type&quot;:1},&quot;glow&quot;:{&quot;colorType&quot;:0},&quot;line&quot;:{&quot;type&quot;:0},&quot;shadow&quot;:{&quot;colorType&quot;:0},&quot;threeD&quot;:{&quot;curvedSurface&quot;:{&quot;brightness&quot;:0,&quot;colorType&quot;:2,&quot;rgb&quot;:&quot;#000000&quot;},&quot;depth&quot;:{&quot;colorType&quot;:0}}}}"/>
+  <p:tag name="KSO_WM_UNIT_TEXT_FILL_FORE_SCHEMECOLOR_INDEX" val="1"/>
+  <p:tag name="KSO_WM_UNIT_TEXT_FILL_TYPE" val="1"/>
+  <p:tag name="KSO_WM_UNIT_PRESET_TEXT" val="添加标题"/>
+</p:tagLst>
+</file>
+
+<file path=ppt/tags/tag166.xml><?xml version="1.0" encoding="utf-8"?>
+<p:tagLst xmlns:p="http://schemas.openxmlformats.org/presentationml/2006/main">
+  <p:tag name="KSO_WM_UNIT_ISCONTENTSTITLE" val="0"/>
+  <p:tag name="KSO_WM_UNIT_ISNUMDGMTITLE" val="0"/>
+  <p:tag name="KSO_WM_UNIT_NOCLEAR" val="0"/>
+  <p:tag name="KSO_WM_UNIT_VALUE" val="10"/>
+  <p:tag name="KSO_WM_UNIT_HIGHLIGHT" val="0"/>
+  <p:tag name="KSO_WM_UNIT_COMPATIBLE" val="0"/>
+  <p:tag name="KSO_WM_UNIT_DIAGRAM_ISNUMVISUAL" val="0"/>
+  <p:tag name="KSO_WM_UNIT_DIAGRAM_ISREFERUNIT" val="0"/>
+  <p:tag name="KSO_WM_UNIT_TYPE" val="m_h_a"/>
+  <p:tag name="KSO_WM_UNIT_INDEX" val="1_3_1"/>
+  <p:tag name="KSO_WM_UNIT_ID" val="diagram20231109_2*m_h_a*1_3_1"/>
+  <p:tag name="KSO_WM_TEMPLATE_CATEGORY" val="diagram"/>
+  <p:tag name="KSO_WM_TEMPLATE_INDEX" val="20231109"/>
+  <p:tag name="KSO_WM_UNIT_LAYERLEVEL" val="1_1_1"/>
+  <p:tag name="KSO_WM_TAG_VERSION" val="3.0"/>
+  <p:tag name="KSO_WM_BEAUTIFY_FLAG" val="#wm#"/>
+  <p:tag name="KSO_WM_DIAGRAM_VERSION" val="3"/>
+  <p:tag name="KSO_WM_DIAGRAM_COLOR_TRICK" val="2"/>
+  <p:tag name="KSO_WM_DIAGRAM_COLOR_TEXT_CAN_REMOVE" val="n"/>
+  <p:tag name="KSO_WM_DIAGRAM_GROUP_CODE" val="m1-1"/>
+  <p:tag name="KSO_WM_DIAGRAM_MAX_ITEMCNT" val="6"/>
+  <p:tag name="KSO_WM_DIAGRAM_MIN_ITEMCNT" val="2"/>
+  <p:tag name="KSO_WM_DIAGRAM_VIRTUALLY_FRAME" val="{&quot;height&quot;:393.25000000000006,&quot;left&quot;:-25.9249545264056,&quot;top&quot;:141.30003937007874,&quot;width&quot;:951.6499877929688}"/>
+  <p:tag name="KSO_WM_DIAGRAM_COLOR_MATCH_VALUE" val="{&quot;shape&quot;:{&quot;fill&quot;:{&quot;type&quot;:0},&quot;glow&quot;:{&quot;colorType&quot;:0},&quot;line&quot;:{&quot;type&quot;:0},&quot;shadow&quot;:{&quot;colorType&quot;:0},&quot;threeD&quot;:{&quot;curvedSurface&quot;:{&quot;brightness&quot;:0,&quot;colorType&quot;:2,&quot;rgb&quot;:&quot;#000000&quot;},&quot;depth&quot;:{&quot;colorType&quot;:0}}},&quot;text&quot;:{&quot;fill&quot;:{&quot;solid&quot;:{&quot;brightness&quot;:0,&quot;colorType&quot;:1,&quot;foreColorIndex&quot;:5,&quot;transparency&quot;:0},&quot;type&quot;:1},&quot;glow&quot;:{&quot;colorType&quot;:0},&quot;line&quot;:{&quot;type&quot;:0},&quot;shadow&quot;:{&quot;colorType&quot;:0},&quot;threeD&quot;:{&quot;curvedSurface&quot;:{&quot;brightness&quot;:0,&quot;colorType&quot;:2,&quot;rgb&quot;:&quot;#000000&quot;},&quot;depth&quot;:{&quot;colorType&quot;:0}}}}"/>
+  <p:tag name="KSO_WM_UNIT_TEXT_FILL_FORE_SCHEMECOLOR_INDEX" val="1"/>
+  <p:tag name="KSO_WM_UNIT_TEXT_FILL_TYPE" val="1"/>
+  <p:tag name="KSO_WM_UNIT_PRESET_TEXT" val="添加标题"/>
+</p:tagLst>
+</file>
+
+<file path=ppt/tags/tag167.xml><?xml version="1.0" encoding="utf-8"?>
+<p:tagLst xmlns:p="http://schemas.openxmlformats.org/presentationml/2006/main">
+  <p:tag name="KSO_WM_BEAUTIFY_FLAG" val="#wm#"/>
+  <p:tag name="KSO_WM_UNIT_HIGHLIGHT" val="0"/>
+  <p:tag name="KSO_WM_UNIT_COMPATIBLE" val="0"/>
+  <p:tag name="KSO_WM_UNIT_DIAGRAM_ISNUMVISUAL" val="0"/>
+  <p:tag name="KSO_WM_UNIT_DIAGRAM_ISREFERUNIT" val="0"/>
+  <p:tag name="KSO_WM_UNIT_ID" val="diagram20231109_2*m_h_i*1_1_1"/>
+  <p:tag name="KSO_WM_TEMPLATE_CATEGORY" val="diagram"/>
+  <p:tag name="KSO_WM_TEMPLATE_INDEX" val="20231109"/>
+  <p:tag name="KSO_WM_UNIT_LAYERLEVEL" val="1_1_1"/>
+  <p:tag name="KSO_WM_TAG_VERSION" val="3.0"/>
+  <p:tag name="KSO_WM_DIAGRAM_VERSION" val="3"/>
+  <p:tag name="KSO_WM_DIAGRAM_COLOR_TRICK" val="2"/>
+  <p:tag name="KSO_WM_DIAGRAM_COLOR_TEXT_CAN_REMOVE" val="n"/>
+  <p:tag name="KSO_WM_DIAGRAM_GROUP_CODE" val="m1-1"/>
+  <p:tag name="KSO_WM_UNIT_TYPE" val="m_h_i"/>
+  <p:tag name="KSO_WM_UNIT_INDEX" val="1_1_1"/>
+  <p:tag name="KSO_WM_DIAGRAM_MAX_ITEMCNT" val="6"/>
+  <p:tag name="KSO_WM_DIAGRAM_MIN_ITEMCNT" val="2"/>
+  <p:tag name="KSO_WM_DIAGRAM_VIRTUALLY_FRAME" val="{&quot;height&quot;:393.25000000000006,&quot;left&quot;:-25.9249545264056,&quot;top&quot;:141.30003937007874,&quot;width&quot;:951.6499877929688}"/>
+  <p:tag name="KSO_WM_DIAGRAM_COLOR_MATCH_VALUE" val="{&quot;shape&quot;:{&quot;fill&quot;:{&quot;gradient&quot;:[{&quot;brightness&quot;:0.15000000596046448,&quot;colorType&quot;:1,&quot;foreColorIndex&quot;:5,&quot;pos&quot;:1,&quot;transparency&quot;:0},{&quot;brightness&quot;:0,&quot;colorType&quot;:1,&quot;foreColorIndex&quot;:5,&quot;pos&quot;:0,&quot;transparency&quot;:0}],&quot;type&quot;:3},&quot;glow&quot;:{&quot;colorType&quot;:0},&quot;line&quot;:{&quot;type&quot;:0},&quot;shadow&quot;:{&quot;colorType&quot;:0},&quot;threeD&quot;:{&quot;curvedSurface&quot;:{&quot;brightness&quot;:0,&quot;colorType&quot;:2,&quot;rgb&quot;:&quot;#000000&quot;},&quot;depth&quot;:{&quot;colorType&quot;:0}}},&quot;text&quot;:{&quot;fill&quot;:{&quot;solid&quot;:{&quot;brightness&quot;:0,&quot;colorType&quot;:1,&quot;foreColorIndex&quot;:13,&quot;transparency&quot;:0},&quot;type&quot;:1},&quot;glow&quot;:{&quot;colorType&quot;:0},&quot;line&quot;:{&quot;type&quot;:0},&quot;shadow&quot;:{&quot;colorType&quot;:0},&quot;threeD&quot;:{&quot;curvedSurface&quot;:{&quot;brightness&quot;:0,&quot;colorType&quot;:2,&quot;rgb&quot;:&quot;#000000&quot;},&quot;depth&quot;:{&quot;colorType&quot;:0}}}}"/>
+  <p:tag name="KSO_WM_UNIT_FILL_TYPE" val="3"/>
+</p:tagLst>
+</file>
+
+<file path=ppt/tags/tag168.xml><?xml version="1.0" encoding="utf-8"?>
+<p:tagLst xmlns:p="http://schemas.openxmlformats.org/presentationml/2006/main">
+  <p:tag name="KSO_WM_BEAUTIFY_FLAG" val="#wm#"/>
+  <p:tag name="KSO_WM_UNIT_HIGHLIGHT" val="0"/>
+  <p:tag name="KSO_WM_UNIT_COMPATIBLE" val="0"/>
+  <p:tag name="KSO_WM_UNIT_DIAGRAM_ISNUMVISUAL" val="0"/>
+  <p:tag name="KSO_WM_UNIT_DIAGRAM_ISREFERUNIT" val="0"/>
+  <p:tag name="KSO_WM_UNIT_ID" val="diagram20231109_2*m_h_i*1_3_1"/>
+  <p:tag name="KSO_WM_TEMPLATE_CATEGORY" val="diagram"/>
+  <p:tag name="KSO_WM_TEMPLATE_INDEX" val="20231109"/>
+  <p:tag name="KSO_WM_UNIT_LAYERLEVEL" val="1_1_1"/>
+  <p:tag name="KSO_WM_TAG_VERSION" val="3.0"/>
+  <p:tag name="KSO_WM_DIAGRAM_VERSION" val="3"/>
+  <p:tag name="KSO_WM_DIAGRAM_COLOR_TRICK" val="2"/>
+  <p:tag name="KSO_WM_DIAGRAM_COLOR_TEXT_CAN_REMOVE" val="n"/>
+  <p:tag name="KSO_WM_DIAGRAM_GROUP_CODE" val="m1-1"/>
+  <p:tag name="KSO_WM_UNIT_TYPE" val="m_h_i"/>
+  <p:tag name="KSO_WM_UNIT_INDEX" val="1_3_1"/>
+  <p:tag name="KSO_WM_DIAGRAM_MAX_ITEMCNT" val="6"/>
+  <p:tag name="KSO_WM_DIAGRAM_MIN_ITEMCNT" val="2"/>
+  <p:tag name="KSO_WM_DIAGRAM_VIRTUALLY_FRAME" val="{&quot;height&quot;:393.25000000000006,&quot;left&quot;:-25.9249545264056,&quot;top&quot;:141.30003937007874,&quot;width&quot;:951.6499877929688}"/>
+  <p:tag name="KSO_WM_DIAGRAM_COLOR_MATCH_VALUE" val="{&quot;shape&quot;:{&quot;fill&quot;:{&quot;gradient&quot;:[{&quot;brightness&quot;:0.15000000596046448,&quot;colorType&quot;:1,&quot;foreColorIndex&quot;:5,&quot;pos&quot;:1,&quot;transparency&quot;:0},{&quot;brightness&quot;:0,&quot;colorType&quot;:1,&quot;foreColorIndex&quot;:5,&quot;pos&quot;:0,&quot;transparency&quot;:0}],&quot;type&quot;:3},&quot;glow&quot;:{&quot;colorType&quot;:0},&quot;line&quot;:{&quot;type&quot;:0},&quot;shadow&quot;:{&quot;colorType&quot;:0},&quot;threeD&quot;:{&quot;curvedSurface&quot;:{&quot;brightness&quot;:0,&quot;colorType&quot;:2,&quot;rgb&quot;:&quot;#000000&quot;},&quot;depth&quot;:{&quot;colorType&quot;:0}}},&quot;text&quot;:{&quot;fill&quot;:{&quot;solid&quot;:{&quot;brightness&quot;:0,&quot;colorType&quot;:1,&quot;foreColorIndex&quot;:13,&quot;transparency&quot;:0},&quot;type&quot;:1},&quot;glow&quot;:{&quot;colorType&quot;:0},&quot;line&quot;:{&quot;type&quot;:0},&quot;shadow&quot;:{&quot;colorType&quot;:0},&quot;threeD&quot;:{&quot;curvedSurface&quot;:{&quot;brightness&quot;:0,&quot;colorType&quot;:2,&quot;rgb&quot;:&quot;#000000&quot;},&quot;depth&quot;:{&quot;colorType&quot;:0}}}}"/>
+  <p:tag name="KSO_WM_UNIT_FILL_TYPE" val="3"/>
+</p:tagLst>
+</file>
+
+<file path=ppt/tags/tag169.xml><?xml version="1.0" encoding="utf-8"?>
+<p:tagLst xmlns:p="http://schemas.openxmlformats.org/presentationml/2006/main">
   <p:tag name="KSO_WM_UNIT_ISCONTENTSTITLE" val="0"/>
   <p:tag name="KSO_WM_UNIT_ISNUMDGMTITLE" val="0"/>
   <p:tag name="KSO_WM_UNIT_PRESET_TEXT" val="感谢您的观看"/>
@@ -14889,7 +16770,28 @@
 </p:tagLst>
 </file>
 
-<file path=ppt/tags/tag155.xml><?xml version="1.0" encoding="utf-8"?>
+<file path=ppt/tags/tag17.xml><?xml version="1.0" encoding="utf-8"?>
+<p:tagLst xmlns:p="http://schemas.openxmlformats.org/presentationml/2006/main">
+  <p:tag name="KSO_WM_UNIT_ISCONTENTSTITLE" val="0"/>
+  <p:tag name="KSO_WM_UNIT_ISNUMDGMTITLE" val="0"/>
+  <p:tag name="KSO_WM_UNIT_PRESET_TEXT" val="添加章节标题"/>
+  <p:tag name="KSO_WM_UNIT_NOCLEAR" val="0"/>
+  <p:tag name="KSO_WM_UNIT_VALUE" val="10"/>
+  <p:tag name="KSO_WM_UNIT_HIGHLIGHT" val="0"/>
+  <p:tag name="KSO_WM_UNIT_COMPATIBLE" val="0"/>
+  <p:tag name="KSO_WM_UNIT_DIAGRAM_ISNUMVISUAL" val="0"/>
+  <p:tag name="KSO_WM_UNIT_DIAGRAM_ISREFERUNIT" val="0"/>
+  <p:tag name="KSO_WM_UNIT_TYPE" val="a"/>
+  <p:tag name="KSO_WM_UNIT_INDEX" val="1"/>
+  <p:tag name="KSO_WM_UNIT_ID" val="_3*a*1"/>
+  <p:tag name="KSO_WM_UNIT_LAYERLEVEL" val="1"/>
+  <p:tag name="KSO_WM_TAG_VERSION" val="1.0"/>
+  <p:tag name="KSO_WM_BEAUTIFY_FLAG" val="#wm#"/>
+  <p:tag name="KSO_WM_UNIT_CONTENT_GROUP_TYPE" val="contentchip"/>
+</p:tagLst>
+</file>
+
+<file path=ppt/tags/tag170.xml><?xml version="1.0" encoding="utf-8"?>
 <p:tagLst xmlns:p="http://schemas.openxmlformats.org/presentationml/2006/main">
   <p:tag name="KSO_WM_SLIDE_ID" val="custom20230838_9"/>
   <p:tag name="KSO_WM_TEMPLATE_SUBCATEGORY" val="0"/>
@@ -14910,50 +16812,10 @@
 </p:tagLst>
 </file>
 
-<file path=ppt/tags/tag156.xml><?xml version="1.0" encoding="utf-8"?>
+<file path=ppt/tags/tag171.xml><?xml version="1.0" encoding="utf-8"?>
 <p:tagLst xmlns:p="http://schemas.openxmlformats.org/presentationml/2006/main">
   <p:tag name="commondata" val="eyJoZGlkIjoiNzFiNWVlNjhjMTkxOGE1YmU5YTYyNGNmMmZlMGVkYmMifQ=="/>
   <p:tag name="FULLTEXTBEAUTIFYED" val="1"/>
-</p:tagLst>
-</file>
-
-<file path=ppt/tags/tag16.xml><?xml version="1.0" encoding="utf-8"?>
-<p:tagLst xmlns:p="http://schemas.openxmlformats.org/presentationml/2006/main">
-  <p:tag name="KSO_WM_UNIT_PRESET_TEXT" val="01"/>
-  <p:tag name="KSO_WM_UNIT_NOCLEAR" val="0"/>
-  <p:tag name="KSO_WM_UNIT_VALUE" val="6"/>
-  <p:tag name="KSO_WM_UNIT_HIGHLIGHT" val="0"/>
-  <p:tag name="KSO_WM_UNIT_COMPATIBLE" val="1"/>
-  <p:tag name="KSO_WM_UNIT_DIAGRAM_ISNUMVISUAL" val="0"/>
-  <p:tag name="KSO_WM_UNIT_DIAGRAM_ISREFERUNIT" val="0"/>
-  <p:tag name="KSO_WM_UNIT_TYPE" val="e"/>
-  <p:tag name="KSO_WM_UNIT_INDEX" val="1"/>
-  <p:tag name="KSO_WM_UNIT_ID" val="_3*e*1"/>
-  <p:tag name="KSO_WM_UNIT_LAYERLEVEL" val="1"/>
-  <p:tag name="KSO_WM_TAG_VERSION" val="1.0"/>
-  <p:tag name="KSO_WM_BEAUTIFY_FLAG" val="#wm#"/>
-  <p:tag name="KSO_WM_UNIT_CONTENT_GROUP_TYPE" val="contentchip"/>
-</p:tagLst>
-</file>
-
-<file path=ppt/tags/tag17.xml><?xml version="1.0" encoding="utf-8"?>
-<p:tagLst xmlns:p="http://schemas.openxmlformats.org/presentationml/2006/main">
-  <p:tag name="KSO_WM_UNIT_ISCONTENTSTITLE" val="0"/>
-  <p:tag name="KSO_WM_UNIT_ISNUMDGMTITLE" val="0"/>
-  <p:tag name="KSO_WM_UNIT_PRESET_TEXT" val="添加章节标题"/>
-  <p:tag name="KSO_WM_UNIT_NOCLEAR" val="0"/>
-  <p:tag name="KSO_WM_UNIT_VALUE" val="10"/>
-  <p:tag name="KSO_WM_UNIT_HIGHLIGHT" val="0"/>
-  <p:tag name="KSO_WM_UNIT_COMPATIBLE" val="0"/>
-  <p:tag name="KSO_WM_UNIT_DIAGRAM_ISNUMVISUAL" val="0"/>
-  <p:tag name="KSO_WM_UNIT_DIAGRAM_ISREFERUNIT" val="0"/>
-  <p:tag name="KSO_WM_UNIT_TYPE" val="a"/>
-  <p:tag name="KSO_WM_UNIT_INDEX" val="1"/>
-  <p:tag name="KSO_WM_UNIT_ID" val="_3*a*1"/>
-  <p:tag name="KSO_WM_UNIT_LAYERLEVEL" val="1"/>
-  <p:tag name="KSO_WM_TAG_VERSION" val="1.0"/>
-  <p:tag name="KSO_WM_BEAUTIFY_FLAG" val="#wm#"/>
-  <p:tag name="KSO_WM_UNIT_CONTENT_GROUP_TYPE" val="contentchip"/>
 </p:tagLst>
 </file>
 
